--- a/lesson1.pptx
+++ b/lesson1.pptx
@@ -5,7 +5,7 @@
     <p:sldMasterId id="2147483660" r:id="rId1"/>
   </p:sldMasterIdLst>
   <p:notesMasterIdLst>
-    <p:notesMasterId r:id="rId35"/>
+    <p:notesMasterId r:id="rId36"/>
   </p:notesMasterIdLst>
   <p:sldIdLst>
     <p:sldId id="330" r:id="rId2"/>
@@ -22,25 +22,26 @@
     <p:sldId id="335" r:id="rId13"/>
     <p:sldId id="336" r:id="rId14"/>
     <p:sldId id="337" r:id="rId15"/>
-    <p:sldId id="338" r:id="rId16"/>
-    <p:sldId id="339" r:id="rId17"/>
-    <p:sldId id="340" r:id="rId18"/>
-    <p:sldId id="341" r:id="rId19"/>
-    <p:sldId id="342" r:id="rId20"/>
-    <p:sldId id="343" r:id="rId21"/>
-    <p:sldId id="344" r:id="rId22"/>
-    <p:sldId id="345" r:id="rId23"/>
-    <p:sldId id="346" r:id="rId24"/>
-    <p:sldId id="347" r:id="rId25"/>
-    <p:sldId id="348" r:id="rId26"/>
-    <p:sldId id="349" r:id="rId27"/>
-    <p:sldId id="350" r:id="rId28"/>
-    <p:sldId id="351" r:id="rId29"/>
-    <p:sldId id="352" r:id="rId30"/>
-    <p:sldId id="353" r:id="rId31"/>
-    <p:sldId id="354" r:id="rId32"/>
-    <p:sldId id="355" r:id="rId33"/>
-    <p:sldId id="356" r:id="rId34"/>
+    <p:sldId id="356" r:id="rId16"/>
+    <p:sldId id="338" r:id="rId17"/>
+    <p:sldId id="339" r:id="rId18"/>
+    <p:sldId id="340" r:id="rId19"/>
+    <p:sldId id="341" r:id="rId20"/>
+    <p:sldId id="342" r:id="rId21"/>
+    <p:sldId id="343" r:id="rId22"/>
+    <p:sldId id="344" r:id="rId23"/>
+    <p:sldId id="345" r:id="rId24"/>
+    <p:sldId id="346" r:id="rId25"/>
+    <p:sldId id="347" r:id="rId26"/>
+    <p:sldId id="348" r:id="rId27"/>
+    <p:sldId id="349" r:id="rId28"/>
+    <p:sldId id="350" r:id="rId29"/>
+    <p:sldId id="351" r:id="rId30"/>
+    <p:sldId id="352" r:id="rId31"/>
+    <p:sldId id="353" r:id="rId32"/>
+    <p:sldId id="354" r:id="rId33"/>
+    <p:sldId id="355" r:id="rId34"/>
+    <p:sldId id="364" r:id="rId35"/>
   </p:sldIdLst>
   <p:sldSz cx="13004800" cy="9753600"/>
   <p:notesSz cx="6858000" cy="9144000"/>
@@ -747,79 +748,23 @@
           </a:bodyPr>
           <a:lstStyle/>
           <a:p>
-            <a:r>
-              <a:rPr lang="es-ES_tradnl" dirty="0" smtClean="0"/>
-              <a:t>Open up Sublime</a:t>
-            </a:r>
-            <a:r>
-              <a:rPr lang="es-ES_tradnl" baseline="0" dirty="0" smtClean="0"/>
-              <a:t> </a:t>
-            </a:r>
-            <a:r>
-              <a:rPr lang="es-ES_tradnl" baseline="0" dirty="0" err="1" smtClean="0"/>
-              <a:t>Text</a:t>
-            </a:r>
-            <a:r>
-              <a:rPr lang="es-ES_tradnl" baseline="0" dirty="0" smtClean="0"/>
-              <a:t>, </a:t>
-            </a:r>
-            <a:r>
-              <a:rPr lang="es-ES_tradnl" baseline="0" dirty="0" err="1" smtClean="0"/>
-              <a:t>write</a:t>
-            </a:r>
-            <a:r>
-              <a:rPr lang="es-ES_tradnl" baseline="0" dirty="0" smtClean="0"/>
-              <a:t> </a:t>
-            </a:r>
-            <a:r>
-              <a:rPr lang="es-ES_tradnl" baseline="0" dirty="0" err="1" smtClean="0"/>
-              <a:t>this</a:t>
-            </a:r>
-            <a:r>
-              <a:rPr lang="es-ES_tradnl" baseline="0" dirty="0" smtClean="0"/>
-              <a:t> out</a:t>
-            </a:r>
-          </a:p>
-          <a:p>
-            <a:endParaRPr lang="es-ES_tradnl" baseline="0" dirty="0" smtClean="0"/>
-          </a:p>
-          <a:p>
-            <a:r>
-              <a:rPr lang="es-ES_tradnl" baseline="0" dirty="0" err="1" smtClean="0"/>
-              <a:t>Have</a:t>
-            </a:r>
-            <a:r>
-              <a:rPr lang="es-ES_tradnl" baseline="0" dirty="0" smtClean="0"/>
-              <a:t> </a:t>
-            </a:r>
-            <a:r>
-              <a:rPr lang="es-ES_tradnl" baseline="0" dirty="0" err="1" smtClean="0"/>
-              <a:t>everybody</a:t>
-            </a:r>
-            <a:r>
-              <a:rPr lang="es-ES_tradnl" baseline="0" dirty="0" smtClean="0"/>
-              <a:t> </a:t>
-            </a:r>
-            <a:r>
-              <a:rPr lang="es-ES_tradnl" baseline="0" dirty="0" err="1" smtClean="0"/>
-              <a:t>change</a:t>
-            </a:r>
-            <a:r>
-              <a:rPr lang="es-ES_tradnl" baseline="0" dirty="0" smtClean="0"/>
-              <a:t> </a:t>
-            </a:r>
-            <a:r>
-              <a:rPr lang="es-ES_tradnl" baseline="0" dirty="0" err="1" smtClean="0"/>
-              <a:t>their</a:t>
-            </a:r>
-            <a:r>
-              <a:rPr lang="es-ES_tradnl" baseline="0" dirty="0" smtClean="0"/>
-              <a:t> </a:t>
-            </a:r>
-            <a:r>
-              <a:rPr lang="es-ES_tradnl" baseline="0" dirty="0" err="1" smtClean="0"/>
-              <a:t>title</a:t>
-            </a:r>
+            <a:pPr marL="0" marR="0" indent="0" algn="l" defTabSz="457200" rtl="0" eaLnBrk="1" fontAlgn="auto" latinLnBrk="0" hangingPunct="1">
+              <a:lnSpc>
+                <a:spcPct val="100000"/>
+              </a:lnSpc>
+              <a:spcBef>
+                <a:spcPts val="0"/>
+              </a:spcBef>
+              <a:spcAft>
+                <a:spcPts val="0"/>
+              </a:spcAft>
+              <a:buClrTx/>
+              <a:buSzTx/>
+              <a:buFontTx/>
+              <a:buNone/>
+              <a:tabLst/>
+              <a:defRPr/>
+            </a:pPr>
             <a:endParaRPr lang="es-ES_tradnl" dirty="0"/>
           </a:p>
         </p:txBody>
@@ -842,7 +787,7 @@
             <a:fld id="{D069BCB6-DAEF-3D4C-AE7C-9D2A39077D5E}" type="slidenum">
               <a:rPr lang="en-US" smtClean="0"/>
               <a:pPr/>
-              <a:t>18</a:t>
+              <a:t>15</a:t>
             </a:fld>
             <a:endParaRPr lang="en-US" dirty="0"/>
           </a:p>
@@ -902,42 +847,9 @@
           </a:bodyPr>
           <a:lstStyle/>
           <a:p>
-            <a:pPr marL="0" marR="0" indent="0" algn="l" defTabSz="457200" rtl="0" eaLnBrk="1" fontAlgn="auto" latinLnBrk="0" hangingPunct="1">
-              <a:lnSpc>
-                <a:spcPct val="100000"/>
-              </a:lnSpc>
-              <a:spcBef>
-                <a:spcPts val="0"/>
-              </a:spcBef>
-              <a:spcAft>
-                <a:spcPts val="0"/>
-              </a:spcAft>
-              <a:buClrTx/>
-              <a:buSzTx/>
-              <a:buFontTx/>
-              <a:buNone/>
-              <a:tabLst/>
-              <a:defRPr/>
-            </a:pPr>
-            <a:r>
-              <a:rPr lang="es-ES_tradnl" dirty="0" err="1" smtClean="0"/>
-              <a:t>Have</a:t>
-            </a:r>
             <a:r>
               <a:rPr lang="es-ES_tradnl" dirty="0" smtClean="0"/>
-              <a:t> </a:t>
-            </a:r>
-            <a:r>
-              <a:rPr lang="es-ES_tradnl" dirty="0" err="1" smtClean="0"/>
-              <a:t>students</a:t>
-            </a:r>
-            <a:r>
-              <a:rPr lang="es-ES_tradnl" dirty="0" smtClean="0"/>
-              <a:t> </a:t>
-            </a:r>
-            <a:r>
-              <a:rPr lang="es-ES_tradnl" dirty="0" err="1" smtClean="0"/>
-              <a:t>duplicate</a:t>
+              <a:t>Open up Sublime</a:t>
             </a:r>
             <a:r>
               <a:rPr lang="es-ES_tradnl" baseline="0" dirty="0" smtClean="0"/>
@@ -945,7 +857,15 @@
             </a:r>
             <a:r>
               <a:rPr lang="es-ES_tradnl" baseline="0" dirty="0" err="1" smtClean="0"/>
-              <a:t>the</a:t>
+              <a:t>Text</a:t>
+            </a:r>
+            <a:r>
+              <a:rPr lang="es-ES_tradnl" baseline="0" dirty="0" smtClean="0"/>
+              <a:t>, </a:t>
+            </a:r>
+            <a:r>
+              <a:rPr lang="es-ES_tradnl" baseline="0" dirty="0" err="1" smtClean="0"/>
+              <a:t>write</a:t>
             </a:r>
             <a:r>
               <a:rPr lang="es-ES_tradnl" baseline="0" dirty="0" smtClean="0"/>
@@ -953,7 +873,20 @@
             </a:r>
             <a:r>
               <a:rPr lang="es-ES_tradnl" baseline="0" dirty="0" err="1" smtClean="0"/>
-              <a:t>tiger</a:t>
+              <a:t>this</a:t>
+            </a:r>
+            <a:r>
+              <a:rPr lang="es-ES_tradnl" baseline="0" dirty="0" smtClean="0"/>
+              <a:t> out</a:t>
+            </a:r>
+          </a:p>
+          <a:p>
+            <a:endParaRPr lang="es-ES_tradnl" baseline="0" dirty="0" smtClean="0"/>
+          </a:p>
+          <a:p>
+            <a:r>
+              <a:rPr lang="es-ES_tradnl" baseline="0" dirty="0" err="1" smtClean="0"/>
+              <a:t>Have</a:t>
             </a:r>
             <a:r>
               <a:rPr lang="es-ES_tradnl" baseline="0" dirty="0" smtClean="0"/>
@@ -961,29 +894,33 @@
             </a:r>
             <a:r>
               <a:rPr lang="es-ES_tradnl" baseline="0" dirty="0" err="1" smtClean="0"/>
-              <a:t>page</a:t>
-            </a:r>
-            <a:endParaRPr lang="es-ES_tradnl" baseline="0" dirty="0" smtClean="0"/>
-          </a:p>
-          <a:p>
-            <a:pPr marL="0" marR="0" indent="0" algn="l" defTabSz="457200" rtl="0" eaLnBrk="1" fontAlgn="auto" latinLnBrk="0" hangingPunct="1">
-              <a:lnSpc>
-                <a:spcPct val="100000"/>
-              </a:lnSpc>
-              <a:spcBef>
-                <a:spcPts val="0"/>
-              </a:spcBef>
-              <a:spcAft>
-                <a:spcPts val="0"/>
-              </a:spcAft>
-              <a:buClrTx/>
-              <a:buSzTx/>
-              <a:buFontTx/>
-              <a:buNone/>
-              <a:tabLst/>
-              <a:defRPr/>
-            </a:pPr>
-            <a:endParaRPr lang="es-ES_tradnl" dirty="0" smtClean="0"/>
+              <a:t>everybody</a:t>
+            </a:r>
+            <a:r>
+              <a:rPr lang="es-ES_tradnl" baseline="0" dirty="0" smtClean="0"/>
+              <a:t> </a:t>
+            </a:r>
+            <a:r>
+              <a:rPr lang="es-ES_tradnl" baseline="0" dirty="0" err="1" smtClean="0"/>
+              <a:t>change</a:t>
+            </a:r>
+            <a:r>
+              <a:rPr lang="es-ES_tradnl" baseline="0" dirty="0" smtClean="0"/>
+              <a:t> </a:t>
+            </a:r>
+            <a:r>
+              <a:rPr lang="es-ES_tradnl" baseline="0" dirty="0" err="1" smtClean="0"/>
+              <a:t>their</a:t>
+            </a:r>
+            <a:r>
+              <a:rPr lang="es-ES_tradnl" baseline="0" dirty="0" smtClean="0"/>
+              <a:t> </a:t>
+            </a:r>
+            <a:r>
+              <a:rPr lang="es-ES_tradnl" baseline="0" dirty="0" err="1" smtClean="0"/>
+              <a:t>title</a:t>
+            </a:r>
+            <a:endParaRPr lang="es-ES_tradnl" dirty="0"/>
           </a:p>
         </p:txBody>
       </p:sp>
@@ -1005,7 +942,7 @@
             <a:fld id="{D069BCB6-DAEF-3D4C-AE7C-9D2A39077D5E}" type="slidenum">
               <a:rPr lang="en-US" smtClean="0"/>
               <a:pPr/>
-              <a:t>21</a:t>
+              <a:t>19</a:t>
             </a:fld>
             <a:endParaRPr lang="en-US" dirty="0"/>
           </a:p>
@@ -1065,7 +1002,88 @@
           </a:bodyPr>
           <a:lstStyle/>
           <a:p>
-            <a:endParaRPr lang="es-ES_tradnl" dirty="0"/>
+            <a:pPr marL="0" marR="0" indent="0" algn="l" defTabSz="457200" rtl="0" eaLnBrk="1" fontAlgn="auto" latinLnBrk="0" hangingPunct="1">
+              <a:lnSpc>
+                <a:spcPct val="100000"/>
+              </a:lnSpc>
+              <a:spcBef>
+                <a:spcPts val="0"/>
+              </a:spcBef>
+              <a:spcAft>
+                <a:spcPts val="0"/>
+              </a:spcAft>
+              <a:buClrTx/>
+              <a:buSzTx/>
+              <a:buFontTx/>
+              <a:buNone/>
+              <a:tabLst/>
+              <a:defRPr/>
+            </a:pPr>
+            <a:r>
+              <a:rPr lang="es-ES_tradnl" dirty="0" err="1" smtClean="0"/>
+              <a:t>Have</a:t>
+            </a:r>
+            <a:r>
+              <a:rPr lang="es-ES_tradnl" dirty="0" smtClean="0"/>
+              <a:t> </a:t>
+            </a:r>
+            <a:r>
+              <a:rPr lang="es-ES_tradnl" dirty="0" err="1" smtClean="0"/>
+              <a:t>students</a:t>
+            </a:r>
+            <a:r>
+              <a:rPr lang="es-ES_tradnl" dirty="0" smtClean="0"/>
+              <a:t> </a:t>
+            </a:r>
+            <a:r>
+              <a:rPr lang="es-ES_tradnl" dirty="0" err="1" smtClean="0"/>
+              <a:t>duplicate</a:t>
+            </a:r>
+            <a:r>
+              <a:rPr lang="es-ES_tradnl" baseline="0" dirty="0" smtClean="0"/>
+              <a:t> </a:t>
+            </a:r>
+            <a:r>
+              <a:rPr lang="es-ES_tradnl" baseline="0" dirty="0" err="1" smtClean="0"/>
+              <a:t>the</a:t>
+            </a:r>
+            <a:r>
+              <a:rPr lang="es-ES_tradnl" baseline="0" dirty="0" smtClean="0"/>
+              <a:t> </a:t>
+            </a:r>
+            <a:r>
+              <a:rPr lang="es-ES_tradnl" baseline="0" dirty="0" err="1" smtClean="0"/>
+              <a:t>tiger</a:t>
+            </a:r>
+            <a:r>
+              <a:rPr lang="es-ES_tradnl" baseline="0" dirty="0" smtClean="0"/>
+              <a:t> </a:t>
+            </a:r>
+            <a:r>
+              <a:rPr lang="es-ES_tradnl" baseline="0" dirty="0" err="1" smtClean="0"/>
+              <a:t>page</a:t>
+            </a:r>
+            <a:endParaRPr lang="es-ES_tradnl" baseline="0" dirty="0" smtClean="0"/>
+          </a:p>
+          <a:p>
+            <a:pPr marL="0" marR="0" indent="0" algn="l" defTabSz="457200" rtl="0" eaLnBrk="1" fontAlgn="auto" latinLnBrk="0" hangingPunct="1">
+              <a:lnSpc>
+                <a:spcPct val="100000"/>
+              </a:lnSpc>
+              <a:spcBef>
+                <a:spcPts val="0"/>
+              </a:spcBef>
+              <a:spcAft>
+                <a:spcPts val="0"/>
+              </a:spcAft>
+              <a:buClrTx/>
+              <a:buSzTx/>
+              <a:buFontTx/>
+              <a:buNone/>
+              <a:tabLst/>
+              <a:defRPr/>
+            </a:pPr>
+            <a:endParaRPr lang="es-ES_tradnl" dirty="0" smtClean="0"/>
           </a:p>
         </p:txBody>
       </p:sp>
@@ -1088,6 +1106,88 @@
               <a:rPr lang="en-US" smtClean="0"/>
               <a:pPr/>
               <a:t>22</a:t>
+            </a:fld>
+            <a:endParaRPr lang="en-US" dirty="0"/>
+          </a:p>
+        </p:txBody>
+      </p:sp>
+    </p:spTree>
+  </p:cSld>
+  <p:clrMapOvr>
+    <a:masterClrMapping/>
+  </p:clrMapOvr>
+</p:notes>
+</file>
+
+<file path=ppt/notesSlides/notesSlide6.xml><?xml version="1.0" encoding="utf-8"?>
+<p:notes xmlns:a="http://schemas.openxmlformats.org/drawingml/2006/main" xmlns:r="http://schemas.openxmlformats.org/officeDocument/2006/relationships" xmlns:mc="http://schemas.openxmlformats.org/markup-compatibility/2006" xmlns:mv="urn:schemas-microsoft-com:mac:vml" xmlns:p="http://schemas.openxmlformats.org/presentationml/2006/main" mc:Ignorable="mv" mc:PreserveAttributes="mv:*">
+  <p:cSld>
+    <p:spTree>
+      <p:nvGrpSpPr>
+        <p:cNvPr id="1" name=""/>
+        <p:cNvGrpSpPr/>
+        <p:nvPr/>
+      </p:nvGrpSpPr>
+      <p:grpSpPr>
+        <a:xfrm>
+          <a:off x="0" y="0"/>
+          <a:ext cx="0" cy="0"/>
+          <a:chOff x="0" y="0"/>
+          <a:chExt cx="0" cy="0"/>
+        </a:xfrm>
+      </p:grpSpPr>
+      <p:sp>
+        <p:nvSpPr>
+          <p:cNvPr id="2" name="Slide Image Placeholder 1"/>
+          <p:cNvSpPr>
+            <a:spLocks noGrp="1" noRot="1" noChangeAspect="1"/>
+          </p:cNvSpPr>
+          <p:nvPr>
+            <p:ph type="sldImg"/>
+          </p:nvPr>
+        </p:nvSpPr>
+        <p:spPr/>
+      </p:sp>
+      <p:sp>
+        <p:nvSpPr>
+          <p:cNvPr id="3" name="Notes Placeholder 2"/>
+          <p:cNvSpPr>
+            <a:spLocks noGrp="1"/>
+          </p:cNvSpPr>
+          <p:nvPr>
+            <p:ph type="body" idx="1"/>
+          </p:nvPr>
+        </p:nvSpPr>
+        <p:spPr/>
+        <p:txBody>
+          <a:bodyPr>
+            <a:normAutofit/>
+          </a:bodyPr>
+          <a:lstStyle/>
+          <a:p>
+            <a:endParaRPr lang="es-ES_tradnl" dirty="0"/>
+          </a:p>
+        </p:txBody>
+      </p:sp>
+      <p:sp>
+        <p:nvSpPr>
+          <p:cNvPr id="4" name="Slide Number Placeholder 3"/>
+          <p:cNvSpPr>
+            <a:spLocks noGrp="1"/>
+          </p:cNvSpPr>
+          <p:nvPr>
+            <p:ph type="sldNum" sz="quarter" idx="10"/>
+          </p:nvPr>
+        </p:nvSpPr>
+        <p:spPr/>
+        <p:txBody>
+          <a:bodyPr/>
+          <a:lstStyle/>
+          <a:p>
+            <a:fld id="{D069BCB6-DAEF-3D4C-AE7C-9D2A39077D5E}" type="slidenum">
+              <a:rPr lang="en-US" smtClean="0"/>
+              <a:pPr/>
+              <a:t>23</a:t>
             </a:fld>
             <a:endParaRPr lang="en-US" dirty="0"/>
           </a:p>
@@ -5326,207 +5426,93 @@
       </p:grpSpPr>
       <p:sp>
         <p:nvSpPr>
-          <p:cNvPr id="23553" name="Rectangle 1"/>
-          <p:cNvSpPr>
-            <a:spLocks noGrp="1" noChangeArrowheads="1"/>
+          <p:cNvPr id="2" name="Title 1"/>
+          <p:cNvSpPr>
+            <a:spLocks noGrp="1"/>
           </p:cNvSpPr>
           <p:nvPr>
             <p:ph type="title"/>
           </p:nvPr>
         </p:nvSpPr>
-        <p:spPr>
-          <a:ln/>
-        </p:spPr>
+        <p:spPr/>
         <p:txBody>
           <a:bodyPr/>
           <a:lstStyle/>
           <a:p>
             <a:r>
-              <a:rPr lang="en-US"/>
-              <a:t>More on links</a:t>
-            </a:r>
-          </a:p>
-        </p:txBody>
-      </p:sp>
-      <p:sp>
-        <p:nvSpPr>
-          <p:cNvPr id="23554" name="Rectangle 2"/>
-          <p:cNvSpPr>
-            <a:spLocks noGrp="1" noChangeArrowheads="1"/>
-          </p:cNvSpPr>
-          <p:nvPr>
-            <p:ph type="body" idx="1"/>
-          </p:nvPr>
-        </p:nvSpPr>
-        <p:spPr>
-          <a:xfrm>
-            <a:off x="650240" y="2275841"/>
-            <a:ext cx="12354560" cy="6410959"/>
-          </a:xfrm>
-          <a:ln/>
-        </p:spPr>
-        <p:txBody>
-          <a:bodyPr>
-            <a:normAutofit lnSpcReduction="10000"/>
-          </a:bodyPr>
-          <a:lstStyle/>
-          <a:p>
-            <a:pPr marL="889000">
-              <a:buClr>
-                <a:srgbClr val="000000"/>
-              </a:buClr>
-            </a:pPr>
+              <a:rPr lang="es-ES_tradnl" dirty="0" smtClean="0"/>
+              <a:t>HTML </a:t>
+            </a:r>
+            <a:r>
+              <a:rPr lang="es-ES_tradnl" dirty="0" err="1" smtClean="0"/>
+              <a:t>Attributes</a:t>
+            </a:r>
+            <a:endParaRPr lang="es-ES_tradnl" dirty="0"/>
+          </a:p>
+        </p:txBody>
+      </p:sp>
+      <p:sp>
+        <p:nvSpPr>
+          <p:cNvPr id="3" name="Content Placeholder 2"/>
+          <p:cNvSpPr>
+            <a:spLocks noGrp="1"/>
+          </p:cNvSpPr>
+          <p:nvPr>
+            <p:ph idx="1"/>
+          </p:nvPr>
+        </p:nvSpPr>
+        <p:spPr/>
+        <p:txBody>
+          <a:bodyPr/>
+          <a:lstStyle/>
+          <a:p>
             <a:r>
               <a:rPr lang="en-US" dirty="0" smtClean="0"/>
-              <a:t>T</a:t>
-            </a:r>
+              <a:t>HTML elements can have </a:t>
+            </a:r>
+            <a:r>
+              <a:rPr lang="en-US" b="1" dirty="0" smtClean="0"/>
+              <a:t>attributes</a:t>
+            </a:r>
+          </a:p>
+          <a:p>
             <a:r>
               <a:rPr lang="en-US" dirty="0" smtClean="0"/>
-              <a:t>arget </a:t>
-            </a:r>
-            <a:r>
-              <a:rPr lang="en-US" dirty="0"/>
-              <a:t>attribute, to open the link in a new </a:t>
+              <a:t>Attributes </a:t>
             </a:r>
             <a:r>
               <a:rPr lang="en-US" dirty="0" smtClean="0"/>
-              <a:t>window</a:t>
-            </a:r>
-          </a:p>
-          <a:p>
-            <a:pPr marL="889000">
-              <a:buClr>
-                <a:srgbClr val="000000"/>
-              </a:buClr>
-            </a:pPr>
+              <a:t>provide additional information about an </a:t>
+            </a:r>
             <a:r>
               <a:rPr lang="en-US" dirty="0" smtClean="0"/>
-              <a:t>ID </a:t>
-            </a:r>
-            <a:r>
-              <a:rPr lang="en-US" dirty="0"/>
-              <a:t>to specify an anchor</a:t>
-            </a:r>
+              <a:t>element</a:t>
+            </a:r>
+          </a:p>
+          <a:p>
             <a:r>
               <a:rPr lang="en-US" dirty="0" smtClean="0"/>
-              <a:t>.</a:t>
-            </a:r>
-          </a:p>
-          <a:p>
-            <a:pPr marL="889000">
-              <a:buClr>
-                <a:srgbClr val="000000"/>
-              </a:buClr>
-              <a:buNone/>
-            </a:pPr>
-            <a:r>
-              <a:rPr lang="en-US" dirty="0" smtClean="0">
-                <a:latin typeface="American Typewriter"/>
-                <a:cs typeface="American Typewriter"/>
-              </a:rPr>
-              <a:t>&lt;a </a:t>
-            </a:r>
-            <a:r>
-              <a:rPr lang="en-US" dirty="0" err="1" smtClean="0">
-                <a:latin typeface="American Typewriter"/>
-                <a:cs typeface="American Typewriter"/>
-              </a:rPr>
-              <a:t>href</a:t>
-            </a:r>
-            <a:r>
-              <a:rPr lang="en-US" dirty="0" smtClean="0">
-                <a:latin typeface="American Typewriter"/>
-                <a:cs typeface="American Typewriter"/>
-              </a:rPr>
-              <a:t>="</a:t>
-            </a:r>
-            <a:r>
-              <a:rPr lang="en-US" u="sng" dirty="0" smtClean="0">
-                <a:latin typeface="American Typewriter"/>
-                <a:cs typeface="American Typewriter"/>
-                <a:hlinkClick r:id="rId2"/>
-              </a:rPr>
-              <a:t>http://google.com</a:t>
-            </a:r>
-            <a:r>
-              <a:rPr lang="en-US" dirty="0" smtClean="0">
-                <a:latin typeface="American Typewriter"/>
-                <a:cs typeface="American Typewriter"/>
-              </a:rPr>
-              <a:t>" target="_new" id="</a:t>
-            </a:r>
-            <a:r>
-              <a:rPr lang="en-US" dirty="0" err="1" smtClean="0">
-                <a:latin typeface="American Typewriter"/>
-                <a:cs typeface="American Typewriter"/>
-              </a:rPr>
-              <a:t>google</a:t>
-            </a:r>
-            <a:r>
-              <a:rPr lang="en-US" dirty="0" smtClean="0">
-                <a:latin typeface="American Typewriter"/>
-                <a:cs typeface="American Typewriter"/>
-              </a:rPr>
-              <a:t>"&gt;Google&lt;/a&gt;</a:t>
-            </a:r>
-          </a:p>
-          <a:p>
-            <a:pPr marL="889000">
-              <a:buClr>
-                <a:srgbClr val="000000"/>
-              </a:buClr>
-            </a:pPr>
+              <a:t>Attributes </a:t>
+            </a:r>
             <a:r>
               <a:rPr lang="en-US" dirty="0" smtClean="0"/>
-              <a:t>An </a:t>
-            </a:r>
-            <a:r>
-              <a:rPr lang="en-US" dirty="0"/>
-              <a:t>anchor allows you to send people to a certain part of your page using another link.</a:t>
-            </a:r>
-          </a:p>
-          <a:p>
-            <a:pPr marL="889000">
-              <a:buClr>
-                <a:srgbClr val="000000"/>
-              </a:buClr>
-              <a:buNone/>
-            </a:pPr>
-            <a:r>
-              <a:rPr lang="en-US" dirty="0">
-                <a:latin typeface="American Typewriter"/>
-                <a:cs typeface="American Typewriter"/>
-              </a:rPr>
-              <a:t>&lt;a </a:t>
-            </a:r>
-            <a:r>
-              <a:rPr lang="en-US" dirty="0" err="1">
-                <a:latin typeface="American Typewriter"/>
-                <a:cs typeface="American Typewriter"/>
-              </a:rPr>
-              <a:t>href</a:t>
-            </a:r>
-            <a:r>
-              <a:rPr lang="en-US" dirty="0">
-                <a:latin typeface="American Typewriter"/>
-                <a:cs typeface="American Typewriter"/>
-              </a:rPr>
-              <a:t>="#</a:t>
-            </a:r>
-            <a:r>
-              <a:rPr lang="en-US" dirty="0" err="1">
-                <a:latin typeface="American Typewriter"/>
-                <a:cs typeface="American Typewriter"/>
-              </a:rPr>
-              <a:t>google</a:t>
-            </a:r>
-            <a:r>
-              <a:rPr lang="en-US" dirty="0">
-                <a:latin typeface="American Typewriter"/>
-                <a:cs typeface="American Typewriter"/>
-              </a:rPr>
-              <a:t>"&gt;Visit our Link to Google&lt;/a&gt;</a:t>
-            </a:r>
+              <a:t>are always specified in the start </a:t>
+            </a:r>
+            <a:r>
+              <a:rPr lang="en-US" dirty="0" smtClean="0"/>
+              <a:t>tag</a:t>
+            </a:r>
+          </a:p>
+          <a:p>
+            <a:r>
+              <a:rPr lang="en-US" dirty="0" smtClean="0"/>
+              <a:t>Attributes </a:t>
+            </a:r>
+            <a:r>
+              <a:rPr lang="en-US" dirty="0" smtClean="0"/>
+              <a:t>come in name/value pairs like: name="value"</a:t>
+            </a:r>
+            <a:endParaRPr lang="es-ES_tradnl" dirty="0"/>
           </a:p>
         </p:txBody>
       </p:sp>
@@ -5535,7 +5521,6 @@
   <p:clrMapOvr>
     <a:masterClrMapping/>
   </p:clrMapOvr>
-  <p:transition/>
 </p:sld>
 </file>
 
@@ -5558,7 +5543,7 @@
       </p:grpSpPr>
       <p:sp>
         <p:nvSpPr>
-          <p:cNvPr id="24577" name="Rectangle 1"/>
+          <p:cNvPr id="23553" name="Rectangle 1"/>
           <p:cNvSpPr>
             <a:spLocks noGrp="1" noChangeArrowheads="1"/>
           </p:cNvSpPr>
@@ -5575,14 +5560,14 @@
           <a:p>
             <a:r>
               <a:rPr lang="en-US"/>
-              <a:t>More on anchors</a:t>
-            </a:r>
-          </a:p>
-        </p:txBody>
-      </p:sp>
-      <p:sp>
-        <p:nvSpPr>
-          <p:cNvPr id="24578" name="Rectangle 2"/>
+              <a:t>More on links</a:t>
+            </a:r>
+          </a:p>
+        </p:txBody>
+      </p:sp>
+      <p:sp>
+        <p:nvSpPr>
+          <p:cNvPr id="23554" name="Rectangle 2"/>
           <p:cNvSpPr>
             <a:spLocks noGrp="1" noChangeArrowheads="1"/>
           </p:cNvSpPr>
@@ -5591,10 +5576,16 @@
           </p:nvPr>
         </p:nvSpPr>
         <p:spPr>
+          <a:xfrm>
+            <a:off x="650240" y="2275841"/>
+            <a:ext cx="12354560" cy="6410959"/>
+          </a:xfrm>
           <a:ln/>
         </p:spPr>
         <p:txBody>
-          <a:bodyPr/>
+          <a:bodyPr>
+            <a:normAutofit lnSpcReduction="10000"/>
+          </a:bodyPr>
           <a:lstStyle/>
           <a:p>
             <a:pPr marL="889000">
@@ -5603,8 +5594,20 @@
               </a:buClr>
             </a:pPr>
             <a:r>
-              <a:rPr lang="en-US" sz="4800" dirty="0"/>
-              <a:t>Anchors can be used in any link to the page as well.</a:t>
+              <a:rPr lang="en-US" dirty="0" smtClean="0"/>
+              <a:t>T</a:t>
+            </a:r>
+            <a:r>
+              <a:rPr lang="en-US" dirty="0" smtClean="0"/>
+              <a:t>arget </a:t>
+            </a:r>
+            <a:r>
+              <a:rPr lang="en-US" dirty="0"/>
+              <a:t>attribute, to open the link in a new </a:t>
+            </a:r>
+            <a:r>
+              <a:rPr lang="en-US" dirty="0" smtClean="0"/>
+              <a:t>window</a:t>
             </a:r>
           </a:p>
           <a:p>
@@ -5614,50 +5617,132 @@
               </a:buClr>
             </a:pPr>
             <a:r>
-              <a:rPr lang="en-US" sz="4800" dirty="0">
+              <a:rPr lang="en-US" dirty="0" smtClean="0"/>
+              <a:t>ID </a:t>
+            </a:r>
+            <a:r>
+              <a:rPr lang="en-US" dirty="0"/>
+              <a:t>to specify an anchor</a:t>
+            </a:r>
+            <a:r>
+              <a:rPr lang="en-US" dirty="0" smtClean="0"/>
+              <a:t>.</a:t>
+            </a:r>
+          </a:p>
+          <a:p>
+            <a:pPr marL="889000">
+              <a:buClr>
+                <a:srgbClr val="000000"/>
+              </a:buClr>
+              <a:buNone/>
+            </a:pPr>
+            <a:r>
+              <a:rPr lang="en-US" dirty="0" smtClean="0">
                 <a:latin typeface="American Typewriter"/>
                 <a:cs typeface="American Typewriter"/>
               </a:rPr>
               <a:t>&lt;a </a:t>
             </a:r>
             <a:r>
-              <a:rPr lang="en-US" sz="4800" dirty="0" err="1">
+              <a:rPr lang="en-US" dirty="0" err="1" smtClean="0">
                 <a:latin typeface="American Typewriter"/>
                 <a:cs typeface="American Typewriter"/>
               </a:rPr>
               <a:t>href</a:t>
             </a:r>
             <a:r>
-              <a:rPr lang="en-US" sz="4800" dirty="0">
+              <a:rPr lang="en-US" dirty="0" smtClean="0">
                 <a:latin typeface="American Typewriter"/>
                 <a:cs typeface="American Typewriter"/>
               </a:rPr>
               <a:t>="</a:t>
             </a:r>
             <a:r>
-              <a:rPr lang="en-US" sz="4800" dirty="0" err="1">
-                <a:latin typeface="American Typewriter"/>
-                <a:cs typeface="American Typewriter"/>
-              </a:rPr>
-              <a:t>page.html#google</a:t>
-            </a:r>
-            <a:r>
-              <a:rPr lang="en-US" sz="4800" dirty="0">
-                <a:latin typeface="American Typewriter"/>
-                <a:cs typeface="American Typewriter"/>
-              </a:rPr>
-              <a:t>"&gt;</a:t>
-            </a:r>
-            <a:r>
-              <a:rPr lang="en-US" sz="4800" dirty="0"/>
-              <a:t>Visit the Link to Google on the Page!</a:t>
-            </a:r>
-            <a:r>
-              <a:rPr lang="en-US" sz="4800" dirty="0">
-                <a:latin typeface="American Typewriter"/>
-                <a:cs typeface="American Typewriter"/>
-              </a:rPr>
-              <a:t>&lt;/a&gt;</a:t>
+              <a:rPr lang="en-US" u="sng" dirty="0" smtClean="0">
+                <a:latin typeface="American Typewriter"/>
+                <a:cs typeface="American Typewriter"/>
+                <a:hlinkClick r:id="rId2"/>
+              </a:rPr>
+              <a:t>http://google.com</a:t>
+            </a:r>
+            <a:r>
+              <a:rPr lang="en-US" dirty="0" smtClean="0">
+                <a:latin typeface="American Typewriter"/>
+                <a:cs typeface="American Typewriter"/>
+              </a:rPr>
+              <a:t>" target="_new" id="</a:t>
+            </a:r>
+            <a:r>
+              <a:rPr lang="en-US" dirty="0" err="1" smtClean="0">
+                <a:latin typeface="American Typewriter"/>
+                <a:cs typeface="American Typewriter"/>
+              </a:rPr>
+              <a:t>google</a:t>
+            </a:r>
+            <a:r>
+              <a:rPr lang="en-US" dirty="0" smtClean="0">
+                <a:latin typeface="American Typewriter"/>
+                <a:cs typeface="American Typewriter"/>
+              </a:rPr>
+              <a:t>"&gt;Google&lt;/a&gt;</a:t>
+            </a:r>
+          </a:p>
+          <a:p>
+            <a:pPr marL="889000">
+              <a:buClr>
+                <a:srgbClr val="000000"/>
+              </a:buClr>
+            </a:pPr>
+            <a:r>
+              <a:rPr lang="en-US" dirty="0" smtClean="0"/>
+              <a:t>An </a:t>
+            </a:r>
+            <a:r>
+              <a:rPr lang="en-US" dirty="0"/>
+              <a:t>anchor allows you to send people to a certain part of your page using another link.</a:t>
+            </a:r>
+          </a:p>
+          <a:p>
+            <a:pPr marL="889000">
+              <a:buClr>
+                <a:srgbClr val="000000"/>
+              </a:buClr>
+              <a:buNone/>
+            </a:pPr>
+            <a:r>
+              <a:rPr lang="en-US" dirty="0">
+                <a:latin typeface="American Typewriter"/>
+                <a:cs typeface="American Typewriter"/>
+              </a:rPr>
+              <a:t>&lt;a </a:t>
+            </a:r>
+            <a:r>
+              <a:rPr lang="en-US" dirty="0" err="1">
+                <a:latin typeface="American Typewriter"/>
+                <a:cs typeface="American Typewriter"/>
+              </a:rPr>
+              <a:t>href</a:t>
+            </a:r>
+            <a:r>
+              <a:rPr lang="en-US" dirty="0">
+                <a:latin typeface="American Typewriter"/>
+                <a:cs typeface="American Typewriter"/>
+              </a:rPr>
+              <a:t>="#</a:t>
+            </a:r>
+            <a:r>
+              <a:rPr lang="en-US" dirty="0" err="1">
+                <a:latin typeface="American Typewriter"/>
+                <a:cs typeface="American Typewriter"/>
+              </a:rPr>
+              <a:t>google</a:t>
+            </a:r>
+            <a:r>
+              <a:rPr lang="en-US" dirty="0">
+                <a:latin typeface="American Typewriter"/>
+                <a:cs typeface="American Typewriter"/>
+              </a:rPr>
+              <a:t>"&gt;Visit our Link to Google&lt;/a&gt;</a:t>
             </a:r>
           </a:p>
         </p:txBody>
@@ -5690,7 +5775,7 @@
       </p:grpSpPr>
       <p:sp>
         <p:nvSpPr>
-          <p:cNvPr id="25601" name="Rectangle 1"/>
+          <p:cNvPr id="24577" name="Rectangle 1"/>
           <p:cNvSpPr>
             <a:spLocks noGrp="1" noChangeArrowheads="1"/>
           </p:cNvSpPr>
@@ -5707,14 +5792,14 @@
           <a:p>
             <a:r>
               <a:rPr lang="en-US"/>
-              <a:t>Anatomy of a Webpage</a:t>
-            </a:r>
-          </a:p>
-        </p:txBody>
-      </p:sp>
-      <p:sp>
-        <p:nvSpPr>
-          <p:cNvPr id="25602" name="Rectangle 2"/>
+              <a:t>More on anchors</a:t>
+            </a:r>
+          </a:p>
+        </p:txBody>
+      </p:sp>
+      <p:sp>
+        <p:nvSpPr>
+          <p:cNvPr id="24578" name="Rectangle 2"/>
           <p:cNvSpPr>
             <a:spLocks noGrp="1" noChangeArrowheads="1"/>
           </p:cNvSpPr>
@@ -5729,55 +5814,67 @@
           <a:bodyPr/>
           <a:lstStyle/>
           <a:p>
-            <a:pPr marL="889000"/>
-            <a:r>
-              <a:rPr lang="en-US" dirty="0" err="1" smtClean="0"/>
-              <a:t>Doctype</a:t>
-            </a:r>
-            <a:endParaRPr lang="en-US" dirty="0" smtClean="0"/>
-          </a:p>
-          <a:p>
-            <a:pPr marL="1457951" lvl="1"/>
-            <a:r>
-              <a:rPr lang="en-US" dirty="0" smtClean="0"/>
-              <a:t>tells the browser what </a:t>
-            </a:r>
-            <a:r>
-              <a:rPr lang="en-US" dirty="0" smtClean="0"/>
-              <a:t>HTML version you’re using. Always use:</a:t>
-            </a:r>
-          </a:p>
-          <a:p>
-            <a:pPr marL="1457951" lvl="1">
-              <a:buNone/>
+            <a:pPr marL="889000">
+              <a:buClr>
+                <a:srgbClr val="000000"/>
+              </a:buClr>
             </a:pPr>
             <a:r>
-              <a:rPr lang="en-US" dirty="0" smtClean="0">
-                <a:latin typeface="American Typewriter"/>
-                <a:cs typeface="American Typewriter"/>
-              </a:rPr>
-              <a:t>&lt;!DOCTYPE html&gt;</a:t>
-            </a:r>
-          </a:p>
-          <a:p>
-            <a:pPr marL="889000"/>
-            <a:r>
-              <a:rPr lang="en-US" dirty="0"/>
-              <a:t>HTML</a:t>
-            </a:r>
-          </a:p>
-          <a:p>
-            <a:pPr marL="1333500" lvl="1"/>
-            <a:r>
-              <a:rPr lang="en-US" dirty="0"/>
-              <a:t>Head section - loaded first, user does not see it</a:t>
-            </a:r>
-          </a:p>
-          <a:p>
-            <a:pPr marL="1333500" lvl="1"/>
-            <a:r>
-              <a:rPr lang="en-US" dirty="0"/>
-              <a:t>Body section - Page content</a:t>
+              <a:rPr lang="en-US" sz="4800" dirty="0"/>
+              <a:t>Anchors can be used in any link to the page as well.</a:t>
+            </a:r>
+          </a:p>
+          <a:p>
+            <a:pPr marL="889000">
+              <a:buClr>
+                <a:srgbClr val="000000"/>
+              </a:buClr>
+            </a:pPr>
+            <a:r>
+              <a:rPr lang="en-US" sz="4800" dirty="0">
+                <a:latin typeface="American Typewriter"/>
+                <a:cs typeface="American Typewriter"/>
+              </a:rPr>
+              <a:t>&lt;a </a:t>
+            </a:r>
+            <a:r>
+              <a:rPr lang="en-US" sz="4800" dirty="0" err="1">
+                <a:latin typeface="American Typewriter"/>
+                <a:cs typeface="American Typewriter"/>
+              </a:rPr>
+              <a:t>href</a:t>
+            </a:r>
+            <a:r>
+              <a:rPr lang="en-US" sz="4800" dirty="0">
+                <a:latin typeface="American Typewriter"/>
+                <a:cs typeface="American Typewriter"/>
+              </a:rPr>
+              <a:t>="</a:t>
+            </a:r>
+            <a:r>
+              <a:rPr lang="en-US" sz="4800" dirty="0" err="1">
+                <a:latin typeface="American Typewriter"/>
+                <a:cs typeface="American Typewriter"/>
+              </a:rPr>
+              <a:t>page.html#google</a:t>
+            </a:r>
+            <a:r>
+              <a:rPr lang="en-US" sz="4800" dirty="0">
+                <a:latin typeface="American Typewriter"/>
+                <a:cs typeface="American Typewriter"/>
+              </a:rPr>
+              <a:t>"&gt;</a:t>
+            </a:r>
+            <a:r>
+              <a:rPr lang="en-US" sz="4800" dirty="0"/>
+              <a:t>Visit the Link to Google on the Page!</a:t>
+            </a:r>
+            <a:r>
+              <a:rPr lang="en-US" sz="4800" dirty="0">
+                <a:latin typeface="American Typewriter"/>
+                <a:cs typeface="American Typewriter"/>
+              </a:rPr>
+              <a:t>&lt;/a&gt;</a:t>
             </a:r>
           </a:p>
         </p:txBody>
@@ -5792,6 +5889,126 @@
 </file>
 
 <file path=ppt/slides/slide18.xml><?xml version="1.0" encoding="utf-8"?>
+<p:sld xmlns:a="http://schemas.openxmlformats.org/drawingml/2006/main" xmlns:r="http://schemas.openxmlformats.org/officeDocument/2006/relationships" xmlns:mc="http://schemas.openxmlformats.org/markup-compatibility/2006" xmlns:mv="urn:schemas-microsoft-com:mac:vml" xmlns:p="http://schemas.openxmlformats.org/presentationml/2006/main" mc:Ignorable="mv" mc:PreserveAttributes="mv:*">
+  <p:cSld>
+    <p:spTree>
+      <p:nvGrpSpPr>
+        <p:cNvPr id="1" name=""/>
+        <p:cNvGrpSpPr/>
+        <p:nvPr/>
+      </p:nvGrpSpPr>
+      <p:grpSpPr>
+        <a:xfrm>
+          <a:off x="0" y="0"/>
+          <a:ext cx="0" cy="0"/>
+          <a:chOff x="0" y="0"/>
+          <a:chExt cx="0" cy="0"/>
+        </a:xfrm>
+      </p:grpSpPr>
+      <p:sp>
+        <p:nvSpPr>
+          <p:cNvPr id="25601" name="Rectangle 1"/>
+          <p:cNvSpPr>
+            <a:spLocks noGrp="1" noChangeArrowheads="1"/>
+          </p:cNvSpPr>
+          <p:nvPr>
+            <p:ph type="title"/>
+          </p:nvPr>
+        </p:nvSpPr>
+        <p:spPr>
+          <a:ln/>
+        </p:spPr>
+        <p:txBody>
+          <a:bodyPr/>
+          <a:lstStyle/>
+          <a:p>
+            <a:r>
+              <a:rPr lang="en-US"/>
+              <a:t>Anatomy of a Webpage</a:t>
+            </a:r>
+          </a:p>
+        </p:txBody>
+      </p:sp>
+      <p:sp>
+        <p:nvSpPr>
+          <p:cNvPr id="25602" name="Rectangle 2"/>
+          <p:cNvSpPr>
+            <a:spLocks noGrp="1" noChangeArrowheads="1"/>
+          </p:cNvSpPr>
+          <p:nvPr>
+            <p:ph type="body" idx="1"/>
+          </p:nvPr>
+        </p:nvSpPr>
+        <p:spPr>
+          <a:ln/>
+        </p:spPr>
+        <p:txBody>
+          <a:bodyPr/>
+          <a:lstStyle/>
+          <a:p>
+            <a:pPr marL="889000"/>
+            <a:r>
+              <a:rPr lang="en-US" dirty="0" err="1" smtClean="0"/>
+              <a:t>Doctype</a:t>
+            </a:r>
+            <a:endParaRPr lang="en-US" dirty="0" smtClean="0"/>
+          </a:p>
+          <a:p>
+            <a:pPr marL="1457951" lvl="1"/>
+            <a:r>
+              <a:rPr lang="en-US" dirty="0" smtClean="0"/>
+              <a:t>tells the browser what </a:t>
+            </a:r>
+            <a:r>
+              <a:rPr lang="en-US" dirty="0" smtClean="0"/>
+              <a:t>HTML version you’re using. Always use:</a:t>
+            </a:r>
+          </a:p>
+          <a:p>
+            <a:pPr marL="1457951" lvl="1">
+              <a:buNone/>
+            </a:pPr>
+            <a:r>
+              <a:rPr lang="en-US" dirty="0" smtClean="0">
+                <a:latin typeface="American Typewriter"/>
+                <a:cs typeface="American Typewriter"/>
+              </a:rPr>
+              <a:t>&lt;!DOCTYPE html&gt;</a:t>
+            </a:r>
+          </a:p>
+          <a:p>
+            <a:pPr marL="889000"/>
+            <a:r>
+              <a:rPr lang="en-US" dirty="0"/>
+              <a:t>HTML</a:t>
+            </a:r>
+          </a:p>
+          <a:p>
+            <a:pPr marL="1333500" lvl="1"/>
+            <a:r>
+              <a:rPr lang="en-US" dirty="0"/>
+              <a:t>Head section - loaded first, user does not see it</a:t>
+            </a:r>
+          </a:p>
+          <a:p>
+            <a:pPr marL="1333500" lvl="1"/>
+            <a:r>
+              <a:rPr lang="en-US" dirty="0"/>
+              <a:t>Body section - Page content</a:t>
+            </a:r>
+          </a:p>
+        </p:txBody>
+      </p:sp>
+    </p:spTree>
+  </p:cSld>
+  <p:clrMapOvr>
+    <a:masterClrMapping/>
+  </p:clrMapOvr>
+  <p:transition/>
+</p:sld>
+</file>
+
+<file path=ppt/slides/slide19.xml><?xml version="1.0" encoding="utf-8"?>
 <p:sld xmlns:a="http://schemas.openxmlformats.org/drawingml/2006/main" xmlns:r="http://schemas.openxmlformats.org/officeDocument/2006/relationships" xmlns:mc="http://schemas.openxmlformats.org/markup-compatibility/2006" xmlns:mv="urn:schemas-microsoft-com:mac:vml" xmlns:p="http://schemas.openxmlformats.org/presentationml/2006/main" mc:Ignorable="mv" mc:PreserveAttributes="mv:*">
   <p:cSld>
     <p:spTree>
@@ -5849,124 +6066,6 @@
 </p:sld>
 </file>
 
-<file path=ppt/slides/slide19.xml><?xml version="1.0" encoding="utf-8"?>
-<p:sld xmlns:a="http://schemas.openxmlformats.org/drawingml/2006/main" xmlns:r="http://schemas.openxmlformats.org/officeDocument/2006/relationships" xmlns:mc="http://schemas.openxmlformats.org/markup-compatibility/2006" xmlns:mv="urn:schemas-microsoft-com:mac:vml" xmlns:p="http://schemas.openxmlformats.org/presentationml/2006/main" mc:Ignorable="mv" mc:PreserveAttributes="mv:*">
-  <p:cSld>
-    <p:spTree>
-      <p:nvGrpSpPr>
-        <p:cNvPr id="1" name=""/>
-        <p:cNvGrpSpPr/>
-        <p:nvPr/>
-      </p:nvGrpSpPr>
-      <p:grpSpPr>
-        <a:xfrm>
-          <a:off x="0" y="0"/>
-          <a:ext cx="0" cy="0"/>
-          <a:chOff x="0" y="0"/>
-          <a:chExt cx="0" cy="0"/>
-        </a:xfrm>
-      </p:grpSpPr>
-      <p:sp>
-        <p:nvSpPr>
-          <p:cNvPr id="27649" name="Rectangle 1"/>
-          <p:cNvSpPr>
-            <a:spLocks noGrp="1" noChangeArrowheads="1"/>
-          </p:cNvSpPr>
-          <p:nvPr>
-            <p:ph type="title"/>
-          </p:nvPr>
-        </p:nvSpPr>
-        <p:spPr>
-          <a:ln/>
-        </p:spPr>
-        <p:txBody>
-          <a:bodyPr/>
-          <a:lstStyle/>
-          <a:p>
-            <a:r>
-              <a:rPr lang="en-US"/>
-              <a:t>HTML Tags</a:t>
-            </a:r>
-          </a:p>
-        </p:txBody>
-      </p:sp>
-      <p:sp>
-        <p:nvSpPr>
-          <p:cNvPr id="27650" name="Rectangle 2"/>
-          <p:cNvSpPr>
-            <a:spLocks noGrp="1" noChangeArrowheads="1"/>
-          </p:cNvSpPr>
-          <p:nvPr>
-            <p:ph type="body" idx="1"/>
-          </p:nvPr>
-        </p:nvSpPr>
-        <p:spPr>
-          <a:ln/>
-        </p:spPr>
-        <p:txBody>
-          <a:bodyPr/>
-          <a:lstStyle/>
-          <a:p>
-            <a:pPr marL="889000"/>
-            <a:r>
-              <a:rPr lang="en-US" dirty="0">
-                <a:latin typeface="American Typewriter"/>
-                <a:cs typeface="American Typewriter"/>
-              </a:rPr>
-              <a:t>&lt;!DOCTYPE html&gt;</a:t>
-            </a:r>
-          </a:p>
-          <a:p>
-            <a:pPr marL="889000"/>
-            <a:r>
-              <a:rPr lang="en-US" dirty="0">
-                <a:latin typeface="American Typewriter"/>
-                <a:cs typeface="American Typewriter"/>
-              </a:rPr>
-              <a:t>&lt;html&gt;&lt;/html&gt;</a:t>
-            </a:r>
-          </a:p>
-          <a:p>
-            <a:pPr marL="889000"/>
-            <a:r>
-              <a:rPr lang="en-US" dirty="0">
-                <a:latin typeface="American Typewriter"/>
-                <a:cs typeface="American Typewriter"/>
-              </a:rPr>
-              <a:t>&lt;head&gt;&lt;/head&gt;</a:t>
-            </a:r>
-          </a:p>
-          <a:p>
-            <a:pPr marL="889000"/>
-            <a:r>
-              <a:rPr lang="en-US" dirty="0">
-                <a:latin typeface="American Typewriter"/>
-                <a:cs typeface="American Typewriter"/>
-              </a:rPr>
-              <a:t>&lt;title&gt;&lt;/title&gt;</a:t>
-            </a:r>
-          </a:p>
-          <a:p>
-            <a:pPr marL="889000"/>
-            <a:r>
-              <a:rPr lang="en-US" dirty="0">
-                <a:latin typeface="American Typewriter"/>
-                <a:cs typeface="American Typewriter"/>
-              </a:rPr>
-              <a:t>&lt;body&gt;&lt;/body&gt;</a:t>
-            </a:r>
-          </a:p>
-        </p:txBody>
-      </p:sp>
-    </p:spTree>
-  </p:cSld>
-  <p:clrMapOvr>
-    <a:masterClrMapping/>
-  </p:clrMapOvr>
-  <p:transition/>
-</p:sld>
-</file>
-
 <file path=ppt/slides/slide2.xml><?xml version="1.0" encoding="utf-8"?>
 <p:sld xmlns:a="http://schemas.openxmlformats.org/drawingml/2006/main" xmlns:r="http://schemas.openxmlformats.org/officeDocument/2006/relationships" xmlns:mc="http://schemas.openxmlformats.org/markup-compatibility/2006" xmlns:mv="urn:schemas-microsoft-com:mac:vml" xmlns:p="http://schemas.openxmlformats.org/presentationml/2006/main" mc:Ignorable="mv" mc:PreserveAttributes="mv:*">
   <p:cSld>
@@ -6134,7 +6233,7 @@
       </p:grpSpPr>
       <p:sp>
         <p:nvSpPr>
-          <p:cNvPr id="28673" name="Rectangle 1"/>
+          <p:cNvPr id="27649" name="Rectangle 1"/>
           <p:cNvSpPr>
             <a:spLocks noGrp="1" noChangeArrowheads="1"/>
           </p:cNvSpPr>
@@ -6151,14 +6250,14 @@
           <a:p>
             <a:r>
               <a:rPr lang="en-US"/>
-              <a:t>The &lt;head&gt; Section</a:t>
-            </a:r>
-          </a:p>
-        </p:txBody>
-      </p:sp>
-      <p:sp>
-        <p:nvSpPr>
-          <p:cNvPr id="28674" name="Rectangle 2"/>
+              <a:t>HTML Tags</a:t>
+            </a:r>
+          </a:p>
+        </p:txBody>
+      </p:sp>
+      <p:sp>
+        <p:nvSpPr>
+          <p:cNvPr id="27650" name="Rectangle 2"/>
           <p:cNvSpPr>
             <a:spLocks noGrp="1" noChangeArrowheads="1"/>
           </p:cNvSpPr>
@@ -6173,55 +6272,53 @@
           <a:bodyPr/>
           <a:lstStyle/>
           <a:p>
-            <a:pPr marL="889000">
-              <a:buClr>
-                <a:srgbClr val="000000"/>
-              </a:buClr>
-            </a:pPr>
-            <a:r>
-              <a:rPr lang="en-US" sz="3800" dirty="0"/>
-              <a:t>The </a:t>
-            </a:r>
-            <a:r>
-              <a:rPr lang="en-US" sz="3800" dirty="0">
-                <a:latin typeface="American Typewriter"/>
-                <a:cs typeface="American Typewriter"/>
-              </a:rPr>
-              <a:t>&lt;head&gt;</a:t>
-            </a:r>
-            <a:r>
-              <a:rPr lang="en-US" sz="3800" dirty="0"/>
-              <a:t> section of your file contains more then just the title of your document</a:t>
-            </a:r>
-          </a:p>
-          <a:p>
-            <a:pPr marL="889000">
-              <a:buClr>
-                <a:srgbClr val="000000"/>
-              </a:buClr>
-            </a:pPr>
-            <a:r>
-              <a:rPr lang="en-US" sz="3800" dirty="0"/>
-              <a:t>This section of your document is meant to enclose links to external files as well</a:t>
-            </a:r>
-          </a:p>
-          <a:p>
-            <a:pPr marL="889000">
-              <a:buClr>
-                <a:srgbClr val="000000"/>
-              </a:buClr>
-            </a:pPr>
-            <a:r>
-              <a:rPr lang="en-US" sz="3800" dirty="0"/>
-              <a:t>You can also create CSS or </a:t>
-            </a:r>
-            <a:r>
-              <a:rPr lang="en-US" sz="3800" dirty="0" smtClean="0"/>
-              <a:t>JavaScript </a:t>
-            </a:r>
-            <a:r>
-              <a:rPr lang="en-US" sz="3800" dirty="0"/>
-              <a:t>in this space that will work with your page</a:t>
+            <a:pPr marL="889000"/>
+            <a:r>
+              <a:rPr lang="en-US" dirty="0">
+                <a:latin typeface="American Typewriter"/>
+                <a:cs typeface="American Typewriter"/>
+              </a:rPr>
+              <a:t>&lt;!DOCTYPE html&gt;</a:t>
+            </a:r>
+          </a:p>
+          <a:p>
+            <a:pPr marL="889000"/>
+            <a:r>
+              <a:rPr lang="en-US" dirty="0">
+                <a:latin typeface="American Typewriter"/>
+                <a:cs typeface="American Typewriter"/>
+              </a:rPr>
+              <a:t>&lt;html&gt;&lt;/html&gt;</a:t>
+            </a:r>
+          </a:p>
+          <a:p>
+            <a:pPr marL="889000"/>
+            <a:r>
+              <a:rPr lang="en-US" dirty="0">
+                <a:latin typeface="American Typewriter"/>
+                <a:cs typeface="American Typewriter"/>
+              </a:rPr>
+              <a:t>&lt;head&gt;&lt;/head&gt;</a:t>
+            </a:r>
+          </a:p>
+          <a:p>
+            <a:pPr marL="889000"/>
+            <a:r>
+              <a:rPr lang="en-US" dirty="0">
+                <a:latin typeface="American Typewriter"/>
+                <a:cs typeface="American Typewriter"/>
+              </a:rPr>
+              <a:t>&lt;title&gt;&lt;/title&gt;</a:t>
+            </a:r>
+          </a:p>
+          <a:p>
+            <a:pPr marL="889000"/>
+            <a:r>
+              <a:rPr lang="en-US" dirty="0">
+                <a:latin typeface="American Typewriter"/>
+                <a:cs typeface="American Typewriter"/>
+              </a:rPr>
+              <a:t>&lt;body&gt;&lt;/body&gt;</a:t>
             </a:r>
           </a:p>
         </p:txBody>
@@ -6254,7 +6351,7 @@
       </p:grpSpPr>
       <p:sp>
         <p:nvSpPr>
-          <p:cNvPr id="29697" name="Rectangle 1"/>
+          <p:cNvPr id="28673" name="Rectangle 1"/>
           <p:cNvSpPr>
             <a:spLocks noGrp="1" noChangeArrowheads="1"/>
           </p:cNvSpPr>
@@ -6271,14 +6368,14 @@
           <a:p>
             <a:r>
               <a:rPr lang="en-US"/>
-              <a:t>HTML Tags 2</a:t>
-            </a:r>
-          </a:p>
-        </p:txBody>
-      </p:sp>
-      <p:sp>
-        <p:nvSpPr>
-          <p:cNvPr id="29698" name="Rectangle 2"/>
+              <a:t>The &lt;head&gt; Section</a:t>
+            </a:r>
+          </a:p>
+        </p:txBody>
+      </p:sp>
+      <p:sp>
+        <p:nvSpPr>
+          <p:cNvPr id="28674" name="Rectangle 2"/>
           <p:cNvSpPr>
             <a:spLocks noGrp="1" noChangeArrowheads="1"/>
           </p:cNvSpPr>
@@ -6293,100 +6390,55 @@
           <a:bodyPr/>
           <a:lstStyle/>
           <a:p>
-            <a:pPr marL="889000"/>
-            <a:r>
-              <a:rPr lang="en-US" dirty="0">
-                <a:latin typeface="American Typewriter"/>
-                <a:cs typeface="American Typewriter"/>
-              </a:rPr>
-              <a:t>&lt;</a:t>
-            </a:r>
-            <a:r>
-              <a:rPr lang="en-US" dirty="0" err="1">
-                <a:latin typeface="American Typewriter"/>
-                <a:cs typeface="American Typewriter"/>
-              </a:rPr>
-              <a:t>p</a:t>
-            </a:r>
-            <a:r>
-              <a:rPr lang="en-US" dirty="0">
-                <a:latin typeface="American Typewriter"/>
-                <a:cs typeface="American Typewriter"/>
-              </a:rPr>
-              <a:t>&gt;&lt;/</a:t>
-            </a:r>
-            <a:r>
-              <a:rPr lang="en-US" dirty="0" err="1">
-                <a:latin typeface="American Typewriter"/>
-                <a:cs typeface="American Typewriter"/>
-              </a:rPr>
-              <a:t>p</a:t>
-            </a:r>
-            <a:r>
-              <a:rPr lang="en-US" dirty="0">
-                <a:latin typeface="American Typewriter"/>
-                <a:cs typeface="American Typewriter"/>
-              </a:rPr>
-              <a:t>&gt;</a:t>
-            </a:r>
-          </a:p>
-          <a:p>
-            <a:pPr marL="889000"/>
-            <a:r>
-              <a:rPr lang="en-US" dirty="0">
-                <a:latin typeface="American Typewriter"/>
-                <a:cs typeface="American Typewriter"/>
-              </a:rPr>
-              <a:t>&lt;h1&gt;&lt;/h1&gt;</a:t>
-            </a:r>
-            <a:r>
-              <a:rPr lang="en-US" dirty="0"/>
-              <a:t>, </a:t>
-            </a:r>
-            <a:r>
-              <a:rPr lang="en-US" dirty="0">
-                <a:latin typeface="American Typewriter"/>
-                <a:cs typeface="American Typewriter"/>
-              </a:rPr>
-              <a:t>&lt;h2&gt;&lt;/h2&gt;</a:t>
-            </a:r>
-            <a:r>
-              <a:rPr lang="en-US" dirty="0"/>
-              <a:t>, etc.</a:t>
-            </a:r>
-          </a:p>
-          <a:p>
-            <a:pPr marL="889000"/>
-            <a:r>
-              <a:rPr lang="en-US" dirty="0">
-                <a:latin typeface="American Typewriter"/>
-                <a:cs typeface="American Typewriter"/>
-              </a:rPr>
-              <a:t>&lt;a&gt;&lt;/a&gt;</a:t>
-            </a:r>
-          </a:p>
-          <a:p>
-            <a:pPr marL="889000"/>
-            <a:r>
-              <a:rPr lang="en-US" dirty="0">
-                <a:latin typeface="American Typewriter"/>
-                <a:cs typeface="American Typewriter"/>
-              </a:rPr>
-              <a:t>&lt;</a:t>
-            </a:r>
-            <a:r>
-              <a:rPr lang="en-US" dirty="0" err="1">
-                <a:latin typeface="American Typewriter"/>
-                <a:cs typeface="American Typewriter"/>
-              </a:rPr>
-              <a:t>img</a:t>
-            </a:r>
-            <a:r>
-              <a:rPr lang="en-US" dirty="0">
-                <a:latin typeface="American Typewriter"/>
-                <a:cs typeface="American Typewriter"/>
-              </a:rPr>
-              <a:t>&gt;</a:t>
+            <a:pPr marL="889000">
+              <a:buClr>
+                <a:srgbClr val="000000"/>
+              </a:buClr>
+            </a:pPr>
+            <a:r>
+              <a:rPr lang="en-US" sz="3800" dirty="0"/>
+              <a:t>The </a:t>
+            </a:r>
+            <a:r>
+              <a:rPr lang="en-US" sz="3800" dirty="0">
+                <a:latin typeface="American Typewriter"/>
+                <a:cs typeface="American Typewriter"/>
+              </a:rPr>
+              <a:t>&lt;head&gt;</a:t>
+            </a:r>
+            <a:r>
+              <a:rPr lang="en-US" sz="3800" dirty="0"/>
+              <a:t> section of your file contains more then just the title of your document</a:t>
+            </a:r>
+          </a:p>
+          <a:p>
+            <a:pPr marL="889000">
+              <a:buClr>
+                <a:srgbClr val="000000"/>
+              </a:buClr>
+            </a:pPr>
+            <a:r>
+              <a:rPr lang="en-US" sz="3800" dirty="0"/>
+              <a:t>This section of your document is meant to enclose links to external files as well</a:t>
+            </a:r>
+          </a:p>
+          <a:p>
+            <a:pPr marL="889000">
+              <a:buClr>
+                <a:srgbClr val="000000"/>
+              </a:buClr>
+            </a:pPr>
+            <a:r>
+              <a:rPr lang="en-US" sz="3800" dirty="0"/>
+              <a:t>You can also create CSS or </a:t>
+            </a:r>
+            <a:r>
+              <a:rPr lang="en-US" sz="3800" dirty="0" smtClean="0"/>
+              <a:t>JavaScript </a:t>
+            </a:r>
+            <a:r>
+              <a:rPr lang="en-US" sz="3800" dirty="0"/>
+              <a:t>in this space that will work with your page</a:t>
             </a:r>
           </a:p>
         </p:txBody>
@@ -6419,7 +6471,7 @@
       </p:grpSpPr>
       <p:sp>
         <p:nvSpPr>
-          <p:cNvPr id="30721" name="Rectangle 1"/>
+          <p:cNvPr id="29697" name="Rectangle 1"/>
           <p:cNvSpPr>
             <a:spLocks noGrp="1" noChangeArrowheads="1"/>
           </p:cNvSpPr>
@@ -6436,14 +6488,14 @@
           <a:p>
             <a:r>
               <a:rPr lang="en-US"/>
-              <a:t>Lists</a:t>
-            </a:r>
-          </a:p>
-        </p:txBody>
-      </p:sp>
-      <p:sp>
-        <p:nvSpPr>
-          <p:cNvPr id="30722" name="Rectangle 2"/>
+              <a:t>HTML Tags 2</a:t>
+            </a:r>
+          </a:p>
+        </p:txBody>
+      </p:sp>
+      <p:sp>
+        <p:nvSpPr>
+          <p:cNvPr id="29698" name="Rectangle 2"/>
           <p:cNvSpPr>
             <a:spLocks noGrp="1" noChangeArrowheads="1"/>
           </p:cNvSpPr>
@@ -6458,191 +6510,96 @@
           <a:bodyPr/>
           <a:lstStyle/>
           <a:p>
-            <a:pPr marL="889000">
-              <a:buClr>
-                <a:srgbClr val="000000"/>
-              </a:buClr>
-            </a:pPr>
-            <a:r>
-              <a:rPr lang="en-US" sz="3800" dirty="0"/>
-              <a:t>Lists are declared with the </a:t>
-            </a:r>
-            <a:r>
-              <a:rPr lang="en-US" sz="3800" dirty="0">
+            <a:pPr marL="889000"/>
+            <a:r>
+              <a:rPr lang="en-US" dirty="0">
                 <a:latin typeface="American Typewriter"/>
                 <a:cs typeface="American Typewriter"/>
               </a:rPr>
               <a:t>&lt;</a:t>
             </a:r>
             <a:r>
-              <a:rPr lang="en-US" sz="3800" dirty="0" err="1">
-                <a:latin typeface="American Typewriter"/>
-                <a:cs typeface="American Typewriter"/>
-              </a:rPr>
-              <a:t>ul</a:t>
-            </a:r>
-            <a:r>
-              <a:rPr lang="en-US" sz="3800" dirty="0">
-                <a:latin typeface="American Typewriter"/>
-                <a:cs typeface="American Typewriter"/>
-              </a:rPr>
-              <a:t>&gt; </a:t>
-            </a:r>
-            <a:r>
-              <a:rPr lang="en-US" sz="3800" dirty="0"/>
-              <a:t>tag, which denotes an unordered list.</a:t>
-            </a:r>
-          </a:p>
-          <a:p>
-            <a:pPr marL="889000">
-              <a:buClr>
-                <a:srgbClr val="000000"/>
-              </a:buClr>
-            </a:pPr>
-            <a:r>
-              <a:rPr lang="en-US" sz="3800" dirty="0"/>
-              <a:t>List items are declared with the </a:t>
-            </a:r>
-            <a:r>
-              <a:rPr lang="en-US" sz="3800" dirty="0">
+              <a:rPr lang="en-US" dirty="0" err="1">
+                <a:latin typeface="American Typewriter"/>
+                <a:cs typeface="American Typewriter"/>
+              </a:rPr>
+              <a:t>p</a:t>
+            </a:r>
+            <a:r>
+              <a:rPr lang="en-US" dirty="0">
+                <a:latin typeface="American Typewriter"/>
+                <a:cs typeface="American Typewriter"/>
+              </a:rPr>
+              <a:t>&gt;&lt;/</a:t>
+            </a:r>
+            <a:r>
+              <a:rPr lang="en-US" dirty="0" err="1">
+                <a:latin typeface="American Typewriter"/>
+                <a:cs typeface="American Typewriter"/>
+              </a:rPr>
+              <a:t>p</a:t>
+            </a:r>
+            <a:r>
+              <a:rPr lang="en-US" dirty="0">
+                <a:latin typeface="American Typewriter"/>
+                <a:cs typeface="American Typewriter"/>
+              </a:rPr>
+              <a:t>&gt;</a:t>
+            </a:r>
+          </a:p>
+          <a:p>
+            <a:pPr marL="889000"/>
+            <a:r>
+              <a:rPr lang="en-US" dirty="0">
+                <a:latin typeface="American Typewriter"/>
+                <a:cs typeface="American Typewriter"/>
+              </a:rPr>
+              <a:t>&lt;h1&gt;&lt;/h1&gt;</a:t>
+            </a:r>
+            <a:r>
+              <a:rPr lang="en-US" dirty="0"/>
+              <a:t>, </a:t>
+            </a:r>
+            <a:r>
+              <a:rPr lang="en-US" dirty="0">
+                <a:latin typeface="American Typewriter"/>
+                <a:cs typeface="American Typewriter"/>
+              </a:rPr>
+              <a:t>&lt;h2&gt;&lt;/h2&gt;</a:t>
+            </a:r>
+            <a:r>
+              <a:rPr lang="en-US" dirty="0"/>
+              <a:t>, etc.</a:t>
+            </a:r>
+          </a:p>
+          <a:p>
+            <a:pPr marL="889000"/>
+            <a:r>
+              <a:rPr lang="en-US" dirty="0">
+                <a:latin typeface="American Typewriter"/>
+                <a:cs typeface="American Typewriter"/>
+              </a:rPr>
+              <a:t>&lt;a&gt;&lt;/a&gt;</a:t>
+            </a:r>
+          </a:p>
+          <a:p>
+            <a:pPr marL="889000"/>
+            <a:r>
+              <a:rPr lang="en-US" dirty="0">
                 <a:latin typeface="American Typewriter"/>
                 <a:cs typeface="American Typewriter"/>
               </a:rPr>
               <a:t>&lt;</a:t>
             </a:r>
             <a:r>
-              <a:rPr lang="en-US" sz="3800" dirty="0" err="1">
-                <a:latin typeface="American Typewriter"/>
-                <a:cs typeface="American Typewriter"/>
-              </a:rPr>
-              <a:t>li</a:t>
-            </a:r>
-            <a:r>
-              <a:rPr lang="en-US" sz="3800" dirty="0">
-                <a:latin typeface="American Typewriter"/>
-                <a:cs typeface="American Typewriter"/>
-              </a:rPr>
-              <a:t>&gt;</a:t>
-            </a:r>
-            <a:r>
-              <a:rPr lang="en-US" sz="3800" dirty="0"/>
-              <a:t> tag.</a:t>
-            </a:r>
-          </a:p>
-          <a:p>
-            <a:pPr marL="889000">
-              <a:buClr>
-                <a:srgbClr val="000000"/>
-              </a:buClr>
-            </a:pPr>
-            <a:r>
-              <a:rPr lang="en-US" sz="3800" dirty="0">
-                <a:latin typeface="American Typewriter"/>
-                <a:cs typeface="American Typewriter"/>
-              </a:rPr>
-              <a:t>&lt;</a:t>
-            </a:r>
-            <a:r>
-              <a:rPr lang="en-US" sz="3800" dirty="0" err="1">
-                <a:latin typeface="American Typewriter"/>
-                <a:cs typeface="American Typewriter"/>
-              </a:rPr>
-              <a:t>ul</a:t>
-            </a:r>
-            <a:r>
-              <a:rPr lang="en-US" sz="3800" dirty="0">
-                <a:latin typeface="American Typewriter"/>
-                <a:cs typeface="American Typewriter"/>
-              </a:rPr>
-              <a:t>&gt; &lt;</a:t>
-            </a:r>
-            <a:r>
-              <a:rPr lang="en-US" sz="3800" dirty="0" err="1">
-                <a:latin typeface="American Typewriter"/>
-                <a:cs typeface="American Typewriter"/>
-              </a:rPr>
-              <a:t>li</a:t>
-            </a:r>
-            <a:r>
-              <a:rPr lang="en-US" sz="3800" dirty="0">
-                <a:latin typeface="American Typewriter"/>
-                <a:cs typeface="American Typewriter"/>
-              </a:rPr>
-              <a:t>&gt;</a:t>
-            </a:r>
-            <a:r>
-              <a:rPr lang="en-US" sz="3800" dirty="0"/>
-              <a:t>Item one </a:t>
-            </a:r>
-            <a:r>
-              <a:rPr lang="en-US" sz="3800" dirty="0">
-                <a:latin typeface="American Typewriter"/>
-                <a:cs typeface="American Typewriter"/>
-              </a:rPr>
-              <a:t>&lt;/</a:t>
-            </a:r>
-            <a:r>
-              <a:rPr lang="en-US" sz="3800" dirty="0" err="1">
-                <a:latin typeface="American Typewriter"/>
-                <a:cs typeface="American Typewriter"/>
-              </a:rPr>
-              <a:t>li</a:t>
-            </a:r>
-            <a:r>
-              <a:rPr lang="en-US" sz="3800" dirty="0">
-                <a:latin typeface="American Typewriter"/>
-                <a:cs typeface="American Typewriter"/>
-              </a:rPr>
-              <a:t>&gt;&lt;</a:t>
-            </a:r>
-            <a:r>
-              <a:rPr lang="en-US" sz="3800" dirty="0" err="1">
-                <a:latin typeface="American Typewriter"/>
-                <a:cs typeface="American Typewriter"/>
-              </a:rPr>
-              <a:t>li</a:t>
-            </a:r>
-            <a:r>
-              <a:rPr lang="en-US" sz="3800" dirty="0">
-                <a:latin typeface="American Typewriter"/>
-                <a:cs typeface="American Typewriter"/>
-              </a:rPr>
-              <a:t>&gt;</a:t>
-            </a:r>
-            <a:r>
-              <a:rPr lang="en-US" sz="3800" dirty="0"/>
-              <a:t>Item two</a:t>
-            </a:r>
-            <a:r>
-              <a:rPr lang="en-US" sz="3800" dirty="0">
-                <a:latin typeface="American Typewriter"/>
-                <a:cs typeface="American Typewriter"/>
-              </a:rPr>
-              <a:t>&lt;/</a:t>
-            </a:r>
-            <a:r>
-              <a:rPr lang="en-US" sz="3800" dirty="0" err="1">
-                <a:latin typeface="American Typewriter"/>
-                <a:cs typeface="American Typewriter"/>
-              </a:rPr>
-              <a:t>li</a:t>
-            </a:r>
-            <a:r>
-              <a:rPr lang="en-US" sz="3800" dirty="0">
-                <a:latin typeface="American Typewriter"/>
-                <a:cs typeface="American Typewriter"/>
-              </a:rPr>
-              <a:t>&gt;&lt;/</a:t>
-            </a:r>
-            <a:r>
-              <a:rPr lang="en-US" sz="3800" dirty="0" err="1">
-                <a:latin typeface="American Typewriter"/>
-                <a:cs typeface="American Typewriter"/>
-              </a:rPr>
-              <a:t>ul</a:t>
-            </a:r>
-            <a:r>
-              <a:rPr lang="en-US" sz="3800" dirty="0">
+              <a:rPr lang="en-US" dirty="0" err="1">
+                <a:latin typeface="American Typewriter"/>
+                <a:cs typeface="American Typewriter"/>
+              </a:rPr>
+              <a:t>img</a:t>
+            </a:r>
+            <a:r>
+              <a:rPr lang="en-US" dirty="0">
                 <a:latin typeface="American Typewriter"/>
                 <a:cs typeface="American Typewriter"/>
               </a:rPr>
@@ -6679,7 +6636,7 @@
       </p:grpSpPr>
       <p:sp>
         <p:nvSpPr>
-          <p:cNvPr id="31745" name="Rectangle 1"/>
+          <p:cNvPr id="30721" name="Rectangle 1"/>
           <p:cNvSpPr>
             <a:spLocks noGrp="1" noChangeArrowheads="1"/>
           </p:cNvSpPr>
@@ -6696,14 +6653,14 @@
           <a:p>
             <a:r>
               <a:rPr lang="en-US"/>
-              <a:t>HTML Text Formatting</a:t>
-            </a:r>
-          </a:p>
-        </p:txBody>
-      </p:sp>
-      <p:sp>
-        <p:nvSpPr>
-          <p:cNvPr id="31746" name="Rectangle 2"/>
+              <a:t>Lists</a:t>
+            </a:r>
+          </a:p>
+        </p:txBody>
+      </p:sp>
+      <p:sp>
+        <p:nvSpPr>
+          <p:cNvPr id="30722" name="Rectangle 2"/>
           <p:cNvSpPr>
             <a:spLocks noGrp="1" noChangeArrowheads="1"/>
           </p:cNvSpPr>
@@ -6718,157 +6675,191 @@
           <a:bodyPr/>
           <a:lstStyle/>
           <a:p>
-            <a:pPr marL="889000"/>
+            <a:pPr marL="889000">
+              <a:buClr>
+                <a:srgbClr val="000000"/>
+              </a:buClr>
+            </a:pPr>
             <a:r>
               <a:rPr lang="en-US" sz="3800" dirty="0"/>
-              <a:t>Although text should be styled with CSS in most cases, there are tags to format text within HTML itself</a:t>
-            </a:r>
-          </a:p>
-          <a:p>
-            <a:pPr marL="1333500" lvl="1"/>
-            <a:r>
-              <a:rPr lang="en-US" dirty="0">
+              <a:t>Lists are declared with the </a:t>
+            </a:r>
+            <a:r>
+              <a:rPr lang="en-US" sz="3800" dirty="0">
                 <a:latin typeface="American Typewriter"/>
                 <a:cs typeface="American Typewriter"/>
               </a:rPr>
               <a:t>&lt;</a:t>
             </a:r>
             <a:r>
-              <a:rPr lang="en-US" dirty="0" err="1">
-                <a:latin typeface="American Typewriter"/>
-                <a:cs typeface="American Typewriter"/>
-              </a:rPr>
-              <a:t>b</a:t>
-            </a:r>
-            <a:r>
-              <a:rPr lang="en-US" dirty="0">
+              <a:rPr lang="en-US" sz="3800" dirty="0" err="1">
+                <a:latin typeface="American Typewriter"/>
+                <a:cs typeface="American Typewriter"/>
+              </a:rPr>
+              <a:t>ul</a:t>
+            </a:r>
+            <a:r>
+              <a:rPr lang="en-US" sz="3800" dirty="0">
+                <a:latin typeface="American Typewriter"/>
+                <a:cs typeface="American Typewriter"/>
+              </a:rPr>
+              <a:t>&gt; </a:t>
+            </a:r>
+            <a:r>
+              <a:rPr lang="en-US" sz="3800" dirty="0"/>
+              <a:t>tag, which denotes an unordered list.</a:t>
+            </a:r>
+          </a:p>
+          <a:p>
+            <a:pPr marL="889000">
+              <a:buClr>
+                <a:srgbClr val="000000"/>
+              </a:buClr>
+            </a:pPr>
+            <a:r>
+              <a:rPr lang="en-US" sz="3800" dirty="0"/>
+              <a:t>List items are declared with the </a:t>
+            </a:r>
+            <a:r>
+              <a:rPr lang="en-US" sz="3800" dirty="0">
+                <a:latin typeface="American Typewriter"/>
+                <a:cs typeface="American Typewriter"/>
+              </a:rPr>
+              <a:t>&lt;</a:t>
+            </a:r>
+            <a:r>
+              <a:rPr lang="en-US" sz="3800" dirty="0" err="1">
+                <a:latin typeface="American Typewriter"/>
+                <a:cs typeface="American Typewriter"/>
+              </a:rPr>
+              <a:t>li</a:t>
+            </a:r>
+            <a:r>
+              <a:rPr lang="en-US" sz="3800" dirty="0">
                 <a:latin typeface="American Typewriter"/>
                 <a:cs typeface="American Typewriter"/>
               </a:rPr>
               <a:t>&gt;</a:t>
             </a:r>
             <a:r>
-              <a:rPr lang="en-US" dirty="0"/>
-              <a:t> makes text bold</a:t>
-            </a:r>
-            <a:r>
-              <a:rPr lang="en-US" dirty="0">
+              <a:rPr lang="en-US" sz="3800" dirty="0"/>
+              <a:t> tag.</a:t>
+            </a:r>
+          </a:p>
+          <a:p>
+            <a:pPr marL="889000">
+              <a:buClr>
+                <a:srgbClr val="000000"/>
+              </a:buClr>
+            </a:pPr>
+            <a:r>
+              <a:rPr lang="en-US" sz="3800" dirty="0">
+                <a:latin typeface="American Typewriter"/>
+                <a:cs typeface="American Typewriter"/>
+              </a:rPr>
+              <a:t>&lt;</a:t>
+            </a:r>
+            <a:r>
+              <a:rPr lang="en-US" sz="3800" dirty="0" err="1">
+                <a:latin typeface="American Typewriter"/>
+                <a:cs typeface="American Typewriter"/>
+              </a:rPr>
+              <a:t>ul</a:t>
+            </a:r>
+            <a:r>
+              <a:rPr lang="en-US" sz="3800" dirty="0">
+                <a:latin typeface="American Typewriter"/>
+                <a:cs typeface="American Typewriter"/>
+              </a:rPr>
+              <a:t>&gt; &lt;</a:t>
+            </a:r>
+            <a:r>
+              <a:rPr lang="en-US" sz="3800" dirty="0" err="1">
+                <a:latin typeface="American Typewriter"/>
+                <a:cs typeface="American Typewriter"/>
+              </a:rPr>
+              <a:t>li</a:t>
+            </a:r>
+            <a:r>
+              <a:rPr lang="en-US" sz="3800" dirty="0">
+                <a:latin typeface="American Typewriter"/>
+                <a:cs typeface="American Typewriter"/>
+              </a:rPr>
+              <a:t>&gt;</a:t>
+            </a:r>
+            <a:r>
+              <a:rPr lang="en-US" sz="3800" dirty="0"/>
+              <a:t>Item one </a:t>
+            </a:r>
+            <a:r>
+              <a:rPr lang="en-US" sz="3800" dirty="0">
                 <a:latin typeface="American Typewriter"/>
                 <a:cs typeface="American Typewriter"/>
               </a:rPr>
               <a:t>&lt;/</a:t>
             </a:r>
             <a:r>
-              <a:rPr lang="en-US" dirty="0" err="1">
-                <a:latin typeface="American Typewriter"/>
-                <a:cs typeface="American Typewriter"/>
-              </a:rPr>
-              <a:t>b</a:t>
-            </a:r>
-            <a:r>
-              <a:rPr lang="en-US" dirty="0">
+              <a:rPr lang="en-US" sz="3800" dirty="0" err="1">
+                <a:latin typeface="American Typewriter"/>
+                <a:cs typeface="American Typewriter"/>
+              </a:rPr>
+              <a:t>li</a:t>
+            </a:r>
+            <a:r>
+              <a:rPr lang="en-US" sz="3800" dirty="0">
+                <a:latin typeface="American Typewriter"/>
+                <a:cs typeface="American Typewriter"/>
+              </a:rPr>
+              <a:t>&gt;&lt;</a:t>
+            </a:r>
+            <a:r>
+              <a:rPr lang="en-US" sz="3800" dirty="0" err="1">
+                <a:latin typeface="American Typewriter"/>
+                <a:cs typeface="American Typewriter"/>
+              </a:rPr>
+              <a:t>li</a:t>
+            </a:r>
+            <a:r>
+              <a:rPr lang="en-US" sz="3800" dirty="0">
                 <a:latin typeface="American Typewriter"/>
                 <a:cs typeface="American Typewriter"/>
               </a:rPr>
               <a:t>&gt;</a:t>
             </a:r>
-          </a:p>
-          <a:p>
-            <a:pPr marL="1333500" lvl="1"/>
-            <a:r>
-              <a:rPr lang="en-US" dirty="0">
-                <a:latin typeface="American Typewriter"/>
-                <a:cs typeface="American Typewriter"/>
-              </a:rPr>
-              <a:t>&lt;</a:t>
-            </a:r>
-            <a:r>
-              <a:rPr lang="en-US" dirty="0" err="1">
-                <a:latin typeface="American Typewriter"/>
-                <a:cs typeface="American Typewriter"/>
-              </a:rPr>
-              <a:t>i</a:t>
-            </a:r>
-            <a:r>
-              <a:rPr lang="en-US" dirty="0">
-                <a:latin typeface="American Typewriter"/>
-                <a:cs typeface="American Typewriter"/>
-              </a:rPr>
-              <a:t>&gt;</a:t>
-            </a:r>
-            <a:r>
-              <a:rPr lang="en-US" dirty="0"/>
-              <a:t> makes it italic</a:t>
-            </a:r>
-            <a:r>
-              <a:rPr lang="en-US" dirty="0">
+            <a:r>
+              <a:rPr lang="en-US" sz="3800" dirty="0"/>
+              <a:t>Item two</a:t>
+            </a:r>
+            <a:r>
+              <a:rPr lang="en-US" sz="3800" dirty="0">
                 <a:latin typeface="American Typewriter"/>
                 <a:cs typeface="American Typewriter"/>
               </a:rPr>
               <a:t>&lt;/</a:t>
             </a:r>
             <a:r>
-              <a:rPr lang="en-US" dirty="0" err="1">
-                <a:latin typeface="American Typewriter"/>
-                <a:cs typeface="American Typewriter"/>
-              </a:rPr>
-              <a:t>i</a:t>
-            </a:r>
-            <a:r>
-              <a:rPr lang="en-US" dirty="0">
-                <a:latin typeface="American Typewriter"/>
-                <a:cs typeface="American Typewriter"/>
-              </a:rPr>
-              <a:t>&gt;</a:t>
-            </a:r>
-            <a:r>
-              <a:rPr lang="en-US" dirty="0"/>
-              <a:t>,</a:t>
-            </a:r>
-          </a:p>
-          <a:p>
-            <a:pPr marL="1333500" lvl="1"/>
-            <a:r>
-              <a:rPr lang="en-US" dirty="0">
-                <a:latin typeface="American Typewriter"/>
-                <a:cs typeface="American Typewriter"/>
-              </a:rPr>
-              <a:t>&lt;</a:t>
-            </a:r>
-            <a:r>
-              <a:rPr lang="en-US" dirty="0" err="1">
-                <a:latin typeface="American Typewriter"/>
-                <a:cs typeface="American Typewriter"/>
-              </a:rPr>
-              <a:t>u</a:t>
-            </a:r>
-            <a:r>
-              <a:rPr lang="en-US" dirty="0">
-                <a:latin typeface="American Typewriter"/>
-                <a:cs typeface="American Typewriter"/>
-              </a:rPr>
-              <a:t>&gt;</a:t>
-            </a:r>
-            <a:r>
-              <a:rPr lang="en-US" dirty="0"/>
-              <a:t> creates an underline</a:t>
-            </a:r>
-            <a:r>
-              <a:rPr lang="en-US" dirty="0">
-                <a:latin typeface="American Typewriter"/>
-                <a:cs typeface="American Typewriter"/>
-              </a:rPr>
-              <a:t>&lt;/</a:t>
-            </a:r>
-            <a:r>
-              <a:rPr lang="en-US" dirty="0" err="1">
-                <a:latin typeface="American Typewriter"/>
-                <a:cs typeface="American Typewriter"/>
-              </a:rPr>
-              <a:t>u</a:t>
-            </a:r>
-            <a:r>
-              <a:rPr lang="en-US" dirty="0">
+              <a:rPr lang="en-US" sz="3800" dirty="0" err="1">
+                <a:latin typeface="American Typewriter"/>
+                <a:cs typeface="American Typewriter"/>
+              </a:rPr>
+              <a:t>li</a:t>
+            </a:r>
+            <a:r>
+              <a:rPr lang="en-US" sz="3800" dirty="0">
+                <a:latin typeface="American Typewriter"/>
+                <a:cs typeface="American Typewriter"/>
+              </a:rPr>
+              <a:t>&gt;&lt;/</a:t>
+            </a:r>
+            <a:r>
+              <a:rPr lang="en-US" sz="3800" dirty="0" err="1">
+                <a:latin typeface="American Typewriter"/>
+                <a:cs typeface="American Typewriter"/>
+              </a:rPr>
+              <a:t>ul</a:t>
+            </a:r>
+            <a:r>
+              <a:rPr lang="en-US" sz="3800" dirty="0">
                 <a:latin typeface="American Typewriter"/>
                 <a:cs typeface="American Typewriter"/>
               </a:rPr>
@@ -6905,7 +6896,7 @@
       </p:grpSpPr>
       <p:sp>
         <p:nvSpPr>
-          <p:cNvPr id="32769" name="Rectangle 1"/>
+          <p:cNvPr id="31745" name="Rectangle 1"/>
           <p:cNvSpPr>
             <a:spLocks noGrp="1" noChangeArrowheads="1"/>
           </p:cNvSpPr>
@@ -6922,14 +6913,14 @@
           <a:p>
             <a:r>
               <a:rPr lang="en-US"/>
-              <a:t>Notes</a:t>
-            </a:r>
-          </a:p>
-        </p:txBody>
-      </p:sp>
-      <p:sp>
-        <p:nvSpPr>
-          <p:cNvPr id="32770" name="Rectangle 2"/>
+              <a:t>HTML Text Formatting</a:t>
+            </a:r>
+          </a:p>
+        </p:txBody>
+      </p:sp>
+      <p:sp>
+        <p:nvSpPr>
+          <p:cNvPr id="31746" name="Rectangle 2"/>
           <p:cNvSpPr>
             <a:spLocks noGrp="1" noChangeArrowheads="1"/>
           </p:cNvSpPr>
@@ -6944,21 +6935,161 @@
           <a:bodyPr/>
           <a:lstStyle/>
           <a:p>
-            <a:pPr marL="889000">
-              <a:buClr>
-                <a:srgbClr val="000000"/>
-              </a:buClr>
-            </a:pPr>
-            <a:r>
-              <a:rPr lang="en-US"/>
-              <a:t>NEVER forget the end tag!</a:t>
-            </a:r>
-          </a:p>
-          <a:p>
             <a:pPr marL="889000"/>
             <a:r>
-              <a:rPr lang="en-US"/>
-              <a:t>Use tabs for easier to read code</a:t>
+              <a:rPr lang="en-US" sz="3800" dirty="0"/>
+              <a:t>Although text should be styled with CSS in most cases, there are tags to format text within HTML itself</a:t>
+            </a:r>
+          </a:p>
+          <a:p>
+            <a:pPr marL="1333500" lvl="1"/>
+            <a:r>
+              <a:rPr lang="en-US" dirty="0">
+                <a:latin typeface="American Typewriter"/>
+                <a:cs typeface="American Typewriter"/>
+              </a:rPr>
+              <a:t>&lt;</a:t>
+            </a:r>
+            <a:r>
+              <a:rPr lang="en-US" dirty="0" err="1">
+                <a:latin typeface="American Typewriter"/>
+                <a:cs typeface="American Typewriter"/>
+              </a:rPr>
+              <a:t>b</a:t>
+            </a:r>
+            <a:r>
+              <a:rPr lang="en-US" dirty="0">
+                <a:latin typeface="American Typewriter"/>
+                <a:cs typeface="American Typewriter"/>
+              </a:rPr>
+              <a:t>&gt;</a:t>
+            </a:r>
+            <a:r>
+              <a:rPr lang="en-US" dirty="0"/>
+              <a:t> makes text bold</a:t>
+            </a:r>
+            <a:r>
+              <a:rPr lang="en-US" dirty="0">
+                <a:latin typeface="American Typewriter"/>
+                <a:cs typeface="American Typewriter"/>
+              </a:rPr>
+              <a:t>&lt;/</a:t>
+            </a:r>
+            <a:r>
+              <a:rPr lang="en-US" dirty="0" err="1">
+                <a:latin typeface="American Typewriter"/>
+                <a:cs typeface="American Typewriter"/>
+              </a:rPr>
+              <a:t>b</a:t>
+            </a:r>
+            <a:r>
+              <a:rPr lang="en-US" dirty="0">
+                <a:latin typeface="American Typewriter"/>
+                <a:cs typeface="American Typewriter"/>
+              </a:rPr>
+              <a:t>&gt;</a:t>
+            </a:r>
+          </a:p>
+          <a:p>
+            <a:pPr marL="1333500" lvl="1"/>
+            <a:r>
+              <a:rPr lang="en-US" dirty="0">
+                <a:latin typeface="American Typewriter"/>
+                <a:cs typeface="American Typewriter"/>
+              </a:rPr>
+              <a:t>&lt;</a:t>
+            </a:r>
+            <a:r>
+              <a:rPr lang="en-US" dirty="0" err="1">
+                <a:latin typeface="American Typewriter"/>
+                <a:cs typeface="American Typewriter"/>
+              </a:rPr>
+              <a:t>i</a:t>
+            </a:r>
+            <a:r>
+              <a:rPr lang="en-US" dirty="0">
+                <a:latin typeface="American Typewriter"/>
+                <a:cs typeface="American Typewriter"/>
+              </a:rPr>
+              <a:t>&gt;</a:t>
+            </a:r>
+            <a:r>
+              <a:rPr lang="en-US" dirty="0"/>
+              <a:t> makes it italic</a:t>
+            </a:r>
+            <a:r>
+              <a:rPr lang="en-US" dirty="0">
+                <a:latin typeface="American Typewriter"/>
+                <a:cs typeface="American Typewriter"/>
+              </a:rPr>
+              <a:t>&lt;/</a:t>
+            </a:r>
+            <a:r>
+              <a:rPr lang="en-US" dirty="0" err="1">
+                <a:latin typeface="American Typewriter"/>
+                <a:cs typeface="American Typewriter"/>
+              </a:rPr>
+              <a:t>i</a:t>
+            </a:r>
+            <a:r>
+              <a:rPr lang="en-US" dirty="0">
+                <a:latin typeface="American Typewriter"/>
+                <a:cs typeface="American Typewriter"/>
+              </a:rPr>
+              <a:t>&gt;</a:t>
+            </a:r>
+            <a:r>
+              <a:rPr lang="en-US" dirty="0"/>
+              <a:t>,</a:t>
+            </a:r>
+          </a:p>
+          <a:p>
+            <a:pPr marL="1333500" lvl="1"/>
+            <a:r>
+              <a:rPr lang="en-US" dirty="0">
+                <a:latin typeface="American Typewriter"/>
+                <a:cs typeface="American Typewriter"/>
+              </a:rPr>
+              <a:t>&lt;</a:t>
+            </a:r>
+            <a:r>
+              <a:rPr lang="en-US" dirty="0" err="1">
+                <a:latin typeface="American Typewriter"/>
+                <a:cs typeface="American Typewriter"/>
+              </a:rPr>
+              <a:t>u</a:t>
+            </a:r>
+            <a:r>
+              <a:rPr lang="en-US" dirty="0">
+                <a:latin typeface="American Typewriter"/>
+                <a:cs typeface="American Typewriter"/>
+              </a:rPr>
+              <a:t>&gt;</a:t>
+            </a:r>
+            <a:r>
+              <a:rPr lang="en-US" dirty="0"/>
+              <a:t> creates an underline</a:t>
+            </a:r>
+            <a:r>
+              <a:rPr lang="en-US" dirty="0">
+                <a:latin typeface="American Typewriter"/>
+                <a:cs typeface="American Typewriter"/>
+              </a:rPr>
+              <a:t>&lt;/</a:t>
+            </a:r>
+            <a:r>
+              <a:rPr lang="en-US" dirty="0" err="1">
+                <a:latin typeface="American Typewriter"/>
+                <a:cs typeface="American Typewriter"/>
+              </a:rPr>
+              <a:t>u</a:t>
+            </a:r>
+            <a:r>
+              <a:rPr lang="en-US" dirty="0">
+                <a:latin typeface="American Typewriter"/>
+                <a:cs typeface="American Typewriter"/>
+              </a:rPr>
+              <a:t>&gt;</a:t>
             </a:r>
           </a:p>
         </p:txBody>
@@ -6991,7 +7122,7 @@
       </p:grpSpPr>
       <p:sp>
         <p:nvSpPr>
-          <p:cNvPr id="33793" name="Rectangle 1"/>
+          <p:cNvPr id="32769" name="Rectangle 1"/>
           <p:cNvSpPr>
             <a:spLocks noGrp="1" noChangeArrowheads="1"/>
           </p:cNvSpPr>
@@ -7008,14 +7139,14 @@
           <a:p>
             <a:r>
               <a:rPr lang="en-US"/>
-              <a:t>Marking Up</a:t>
-            </a:r>
-          </a:p>
-        </p:txBody>
-      </p:sp>
-      <p:sp>
-        <p:nvSpPr>
-          <p:cNvPr id="33794" name="Rectangle 2"/>
+              <a:t>Notes</a:t>
+            </a:r>
+          </a:p>
+        </p:txBody>
+      </p:sp>
+      <p:sp>
+        <p:nvSpPr>
+          <p:cNvPr id="32770" name="Rectangle 2"/>
           <p:cNvSpPr>
             <a:spLocks noGrp="1" noChangeArrowheads="1"/>
           </p:cNvSpPr>
@@ -7030,9 +7161,21 @@
           <a:bodyPr/>
           <a:lstStyle/>
           <a:p>
+            <a:pPr marL="889000">
+              <a:buClr>
+                <a:srgbClr val="000000"/>
+              </a:buClr>
+            </a:pPr>
             <a:r>
               <a:rPr lang="en-US"/>
-              <a:t>Let’s mark up a document with HTML!</a:t>
+              <a:t>NEVER forget the end tag!</a:t>
+            </a:r>
+          </a:p>
+          <a:p>
+            <a:pPr marL="889000"/>
+            <a:r>
+              <a:rPr lang="en-US"/>
+              <a:t>Use tabs for easier to read code</a:t>
             </a:r>
           </a:p>
         </p:txBody>
@@ -7065,7 +7208,7 @@
       </p:grpSpPr>
       <p:sp>
         <p:nvSpPr>
-          <p:cNvPr id="34817" name="Rectangle 1"/>
+          <p:cNvPr id="33793" name="Rectangle 1"/>
           <p:cNvSpPr>
             <a:spLocks noGrp="1" noChangeArrowheads="1"/>
           </p:cNvSpPr>
@@ -7082,14 +7225,14 @@
           <a:p>
             <a:r>
               <a:rPr lang="en-US"/>
-              <a:t>Tables</a:t>
-            </a:r>
-          </a:p>
-        </p:txBody>
-      </p:sp>
-      <p:sp>
-        <p:nvSpPr>
-          <p:cNvPr id="34818" name="Rectangle 2"/>
+              <a:t>Marking Up</a:t>
+            </a:r>
+          </a:p>
+        </p:txBody>
+      </p:sp>
+      <p:sp>
+        <p:nvSpPr>
+          <p:cNvPr id="33794" name="Rectangle 2"/>
           <p:cNvSpPr>
             <a:spLocks noGrp="1" noChangeArrowheads="1"/>
           </p:cNvSpPr>
@@ -7104,65 +7247,10 @@
           <a:bodyPr/>
           <a:lstStyle/>
           <a:p>
-            <a:pPr marL="889000">
-              <a:buClr>
-                <a:srgbClr val="000000"/>
-              </a:buClr>
-            </a:pPr>
-            <a:r>
-              <a:rPr lang="en-US" sz="3800" dirty="0"/>
-              <a:t>Tables are an important layout element, but have mostly been replaced by</a:t>
-            </a:r>
-            <a:r>
-              <a:rPr lang="en-US" sz="3800" dirty="0" smtClean="0">
-                <a:latin typeface="American Typewriter"/>
-                <a:cs typeface="American Typewriter"/>
-              </a:rPr>
-              <a:t> &lt;div&gt;</a:t>
-            </a:r>
-            <a:r>
-              <a:rPr lang="en-US" sz="3800" dirty="0" smtClean="0"/>
-              <a:t> </a:t>
-            </a:r>
-            <a:r>
-              <a:rPr lang="en-US" sz="3800" dirty="0"/>
-              <a:t>and</a:t>
-            </a:r>
-            <a:r>
-              <a:rPr lang="en-US" sz="3800" dirty="0" smtClean="0"/>
-              <a:t> &lt;</a:t>
-            </a:r>
-            <a:r>
-              <a:rPr lang="en-US" sz="3800" dirty="0" smtClean="0">
-                <a:latin typeface="American Typewriter"/>
-                <a:cs typeface="American Typewriter"/>
-              </a:rPr>
-              <a:t>span&gt;</a:t>
-            </a:r>
-            <a:r>
-              <a:rPr lang="en-US" sz="3800" dirty="0" smtClean="0"/>
-              <a:t> </a:t>
-            </a:r>
-            <a:r>
-              <a:rPr lang="en-US" sz="3800" dirty="0"/>
-              <a:t>tags for basic page </a:t>
-            </a:r>
-            <a:r>
-              <a:rPr lang="en-US" sz="3800" dirty="0" smtClean="0"/>
-              <a:t>layout</a:t>
-            </a:r>
-          </a:p>
-          <a:p>
-            <a:pPr marL="889000">
-              <a:buClr>
-                <a:srgbClr val="000000"/>
-              </a:buClr>
-            </a:pPr>
-            <a:r>
-              <a:rPr lang="en-US" sz="3800" dirty="0" smtClean="0"/>
-              <a:t>Only use tables for tabular data!</a:t>
-            </a:r>
-            <a:endParaRPr lang="en-US" sz="3800" dirty="0"/>
+            <a:r>
+              <a:rPr lang="en-US"/>
+              <a:t>Let’s mark up a document with HTML!</a:t>
+            </a:r>
           </a:p>
         </p:txBody>
       </p:sp>
@@ -7194,7 +7282,7 @@
       </p:grpSpPr>
       <p:sp>
         <p:nvSpPr>
-          <p:cNvPr id="35841" name="Rectangle 1"/>
+          <p:cNvPr id="34817" name="Rectangle 1"/>
           <p:cNvSpPr>
             <a:spLocks noGrp="1" noChangeArrowheads="1"/>
           </p:cNvSpPr>
@@ -7218,7 +7306,7 @@
       </p:sp>
       <p:sp>
         <p:nvSpPr>
-          <p:cNvPr id="35842" name="Rectangle 2"/>
+          <p:cNvPr id="34818" name="Rectangle 2"/>
           <p:cNvSpPr>
             <a:spLocks noGrp="1" noChangeArrowheads="1"/>
           </p:cNvSpPr>
@@ -7240,18 +7328,45 @@
             </a:pPr>
             <a:r>
               <a:rPr lang="en-US" sz="3800" dirty="0"/>
-              <a:t>A table begins with a </a:t>
-            </a:r>
-            <a:r>
-              <a:rPr lang="en-US" sz="3800" dirty="0">
-                <a:latin typeface="American Typewriter"/>
-                <a:cs typeface="American Typewriter"/>
-              </a:rPr>
-              <a:t>&lt;table&gt;</a:t>
+              <a:t>Tables are an important layout element, but have mostly been replaced by</a:t>
+            </a:r>
+            <a:r>
+              <a:rPr lang="en-US" sz="3800" dirty="0" smtClean="0">
+                <a:latin typeface="American Typewriter"/>
+                <a:cs typeface="American Typewriter"/>
+              </a:rPr>
+              <a:t> &lt;div&gt;</a:t>
+            </a:r>
+            <a:r>
+              <a:rPr lang="en-US" sz="3800" dirty="0" smtClean="0"/>
+              <a:t> </a:t>
             </a:r>
             <a:r>
               <a:rPr lang="en-US" sz="3800" dirty="0"/>
-              <a:t> tag</a:t>
+              <a:t>and</a:t>
+            </a:r>
+            <a:r>
+              <a:rPr lang="en-US" sz="3800" dirty="0" smtClean="0"/>
+              <a:t> &lt;</a:t>
+            </a:r>
+            <a:r>
+              <a:rPr lang="en-US" sz="3800" dirty="0" smtClean="0">
+                <a:latin typeface="American Typewriter"/>
+                <a:cs typeface="American Typewriter"/>
+              </a:rPr>
+              <a:t>span&gt;</a:t>
+            </a:r>
+            <a:r>
+              <a:rPr lang="en-US" sz="3800" dirty="0" smtClean="0"/>
+              <a:t> </a:t>
+            </a:r>
+            <a:r>
+              <a:rPr lang="en-US" sz="3800" dirty="0"/>
+              <a:t>tags for basic page </a:t>
+            </a:r>
+            <a:r>
+              <a:rPr lang="en-US" sz="3800" dirty="0" smtClean="0"/>
+              <a:t>layout</a:t>
             </a:r>
           </a:p>
           <a:p>
@@ -7261,52 +7376,10 @@
               </a:buClr>
             </a:pPr>
             <a:r>
-              <a:rPr lang="en-US" sz="3800" dirty="0"/>
-              <a:t>A row starts with the table row tag, </a:t>
-            </a:r>
-            <a:r>
-              <a:rPr lang="en-US" sz="3800" dirty="0">
-                <a:latin typeface="American Typewriter"/>
-                <a:cs typeface="American Typewriter"/>
-              </a:rPr>
-              <a:t>&lt;</a:t>
-            </a:r>
-            <a:r>
-              <a:rPr lang="en-US" sz="3800" dirty="0" err="1">
-                <a:latin typeface="American Typewriter"/>
-                <a:cs typeface="American Typewriter"/>
-              </a:rPr>
-              <a:t>tr</a:t>
-            </a:r>
-            <a:r>
-              <a:rPr lang="en-US" sz="3800" dirty="0">
-                <a:latin typeface="American Typewriter"/>
-                <a:cs typeface="American Typewriter"/>
-              </a:rPr>
-              <a:t>&gt;</a:t>
-            </a:r>
-          </a:p>
-          <a:p>
-            <a:pPr marL="889000">
-              <a:buClr>
-                <a:srgbClr val="000000"/>
-              </a:buClr>
-            </a:pPr>
-            <a:r>
-              <a:rPr lang="en-US" sz="3800" dirty="0"/>
-              <a:t>A column with the row starts with a </a:t>
-            </a:r>
-            <a:r>
-              <a:rPr lang="en-US" sz="3800" dirty="0">
-                <a:latin typeface="American Typewriter"/>
-                <a:cs typeface="American Typewriter"/>
-              </a:rPr>
-              <a:t>&lt;td&gt;</a:t>
-            </a:r>
-            <a:r>
-              <a:rPr lang="en-US" sz="3800" dirty="0"/>
-              <a:t>, or table data, tag</a:t>
-            </a:r>
+              <a:rPr lang="en-US" sz="3800" dirty="0" smtClean="0"/>
+              <a:t>Only use tables for tabular data!</a:t>
+            </a:r>
+            <a:endParaRPr lang="en-US" sz="3800" dirty="0"/>
           </a:p>
         </p:txBody>
       </p:sp>
@@ -7338,7 +7411,7 @@
       </p:grpSpPr>
       <p:sp>
         <p:nvSpPr>
-          <p:cNvPr id="36865" name="Rectangle 1"/>
+          <p:cNvPr id="35841" name="Rectangle 1"/>
           <p:cNvSpPr>
             <a:spLocks noGrp="1" noChangeArrowheads="1"/>
           </p:cNvSpPr>
@@ -7355,14 +7428,14 @@
           <a:p>
             <a:r>
               <a:rPr lang="en-US"/>
-              <a:t>Sample Table</a:t>
-            </a:r>
-          </a:p>
-        </p:txBody>
-      </p:sp>
-      <p:sp>
-        <p:nvSpPr>
-          <p:cNvPr id="36866" name="Rectangle 2"/>
+              <a:t>Tables</a:t>
+            </a:r>
+          </a:p>
+        </p:txBody>
+      </p:sp>
+      <p:sp>
+        <p:nvSpPr>
+          <p:cNvPr id="35842" name="Rectangle 2"/>
           <p:cNvSpPr>
             <a:spLocks noGrp="1" noChangeArrowheads="1"/>
           </p:cNvSpPr>
@@ -7377,31 +7450,43 @@
           <a:bodyPr/>
           <a:lstStyle/>
           <a:p>
-            <a:pPr>
-              <a:buNone/>
+            <a:pPr marL="889000">
+              <a:buClr>
+                <a:srgbClr val="000000"/>
+              </a:buClr>
             </a:pPr>
             <a:r>
+              <a:rPr lang="en-US" sz="3800" dirty="0"/>
+              <a:t>A table begins with a </a:t>
+            </a:r>
+            <a:r>
               <a:rPr lang="en-US" sz="3800" dirty="0">
                 <a:latin typeface="American Typewriter"/>
                 <a:cs typeface="American Typewriter"/>
               </a:rPr>
               <a:t>&lt;table&gt;</a:t>
             </a:r>
-            <a:endParaRPr lang="en-US" sz="3800" dirty="0" smtClean="0">
-              <a:latin typeface="American Typewriter"/>
-              <a:cs typeface="American Typewriter"/>
-            </a:endParaRPr>
-          </a:p>
-          <a:p>
-            <a:pPr>
-              <a:buNone/>
+            <a:r>
+              <a:rPr lang="en-US" sz="3800" dirty="0"/>
+              <a:t> tag</a:t>
+            </a:r>
+          </a:p>
+          <a:p>
+            <a:pPr marL="889000">
+              <a:buClr>
+                <a:srgbClr val="000000"/>
+              </a:buClr>
             </a:pPr>
             <a:r>
-              <a:rPr lang="en-US" sz="3800" dirty="0" smtClean="0">
-                <a:latin typeface="American Typewriter"/>
-                <a:cs typeface="American Typewriter"/>
-              </a:rPr>
-              <a:t>	&lt;</a:t>
+              <a:rPr lang="en-US" sz="3800" dirty="0"/>
+              <a:t>A row starts with the table row tag, </a:t>
+            </a:r>
+            <a:r>
+              <a:rPr lang="en-US" sz="3800" dirty="0">
+                <a:latin typeface="American Typewriter"/>
+                <a:cs typeface="American Typewriter"/>
+              </a:rPr>
+              <a:t>&lt;</a:t>
             </a:r>
             <a:r>
               <a:rPr lang="en-US" sz="3800" dirty="0" err="1">
@@ -7417,127 +7502,27 @@
               </a:rPr>
               <a:t>&gt;</a:t>
             </a:r>
-            <a:endParaRPr lang="en-US" sz="3800" dirty="0" smtClean="0">
-              <a:latin typeface="American Typewriter"/>
-              <a:cs typeface="American Typewriter"/>
-            </a:endParaRPr>
-          </a:p>
-          <a:p>
-            <a:pPr>
-              <a:buNone/>
+          </a:p>
+          <a:p>
+            <a:pPr marL="889000">
+              <a:buClr>
+                <a:srgbClr val="000000"/>
+              </a:buClr>
             </a:pPr>
             <a:r>
-              <a:rPr lang="en-US" sz="3800" dirty="0" smtClean="0">
-                <a:latin typeface="American Typewriter"/>
-                <a:cs typeface="American Typewriter"/>
-              </a:rPr>
-              <a:t>		&lt;</a:t>
+              <a:rPr lang="en-US" sz="3800" dirty="0"/>
+              <a:t>A column with the row starts with a </a:t>
             </a:r>
             <a:r>
               <a:rPr lang="en-US" sz="3800" dirty="0">
                 <a:latin typeface="American Typewriter"/>
                 <a:cs typeface="American Typewriter"/>
               </a:rPr>
-              <a:t>td&gt;</a:t>
-            </a:r>
-            <a:endParaRPr lang="en-US" sz="3800" dirty="0" smtClean="0">
-              <a:latin typeface="American Typewriter"/>
-              <a:cs typeface="American Typewriter"/>
-            </a:endParaRPr>
-          </a:p>
-          <a:p>
-            <a:pPr>
-              <a:buNone/>
-            </a:pPr>
-            <a:r>
-              <a:rPr lang="en-US" sz="3800" dirty="0" smtClean="0"/>
-              <a:t>					</a:t>
-            </a:r>
-            <a:r>
-              <a:rPr lang="en-US" sz="3800" dirty="0" smtClean="0">
-                <a:latin typeface="American Typewriter"/>
-                <a:cs typeface="American Typewriter"/>
-              </a:rPr>
-              <a:t>Hello</a:t>
-            </a:r>
-            <a:r>
-              <a:rPr lang="en-US" sz="3800" dirty="0">
-                <a:latin typeface="American Typewriter"/>
-                <a:cs typeface="American Typewriter"/>
-              </a:rPr>
-              <a:t>!</a:t>
-            </a:r>
-            <a:endParaRPr lang="en-US" sz="3800" dirty="0" smtClean="0">
-              <a:latin typeface="American Typewriter"/>
-              <a:cs typeface="American Typewriter"/>
-            </a:endParaRPr>
-          </a:p>
-          <a:p>
-            <a:pPr>
-              <a:buNone/>
-            </a:pPr>
-            <a:r>
-              <a:rPr lang="en-US" sz="3800" dirty="0" smtClean="0">
-                <a:latin typeface="American Typewriter"/>
-                <a:cs typeface="American Typewriter"/>
-              </a:rPr>
-              <a:t>		&lt;</a:t>
-            </a:r>
-            <a:r>
-              <a:rPr lang="en-US" sz="3800" dirty="0">
-                <a:latin typeface="American Typewriter"/>
-                <a:cs typeface="American Typewriter"/>
-              </a:rPr>
-              <a:t>/td&gt;</a:t>
-            </a:r>
-            <a:endParaRPr lang="en-US" sz="3800" dirty="0" smtClean="0">
-              <a:latin typeface="American Typewriter"/>
-              <a:cs typeface="American Typewriter"/>
-            </a:endParaRPr>
-          </a:p>
-          <a:p>
-            <a:pPr>
-              <a:buNone/>
-            </a:pPr>
-            <a:r>
-              <a:rPr lang="en-US" sz="3800" dirty="0" smtClean="0">
-                <a:latin typeface="American Typewriter"/>
-                <a:cs typeface="American Typewriter"/>
-              </a:rPr>
-              <a:t>	&lt;</a:t>
-            </a:r>
-            <a:r>
-              <a:rPr lang="en-US" sz="3800" dirty="0">
-                <a:latin typeface="American Typewriter"/>
-                <a:cs typeface="American Typewriter"/>
-              </a:rPr>
-              <a:t>/</a:t>
-            </a:r>
-            <a:r>
-              <a:rPr lang="en-US" sz="3800" dirty="0" err="1">
-                <a:latin typeface="American Typewriter"/>
-                <a:cs typeface="American Typewriter"/>
-              </a:rPr>
-              <a:t>tr</a:t>
-            </a:r>
-            <a:r>
-              <a:rPr lang="en-US" sz="3800" dirty="0">
-                <a:latin typeface="American Typewriter"/>
-                <a:cs typeface="American Typewriter"/>
-              </a:rPr>
-              <a:t>&gt;</a:t>
-            </a:r>
-          </a:p>
-          <a:p>
-            <a:pPr>
-              <a:buNone/>
-            </a:pPr>
-            <a:r>
-              <a:rPr lang="en-US" sz="3800" dirty="0">
-                <a:latin typeface="American Typewriter"/>
-                <a:cs typeface="American Typewriter"/>
-              </a:rPr>
-              <a:t>&lt;/table&gt;</a:t>
+              <a:t>&lt;td&gt;</a:t>
+            </a:r>
+            <a:r>
+              <a:rPr lang="en-US" sz="3800" dirty="0"/>
+              <a:t>, or table data, tag</a:t>
             </a:r>
           </a:p>
         </p:txBody>
@@ -7570,7 +7555,7 @@
       </p:grpSpPr>
       <p:sp>
         <p:nvSpPr>
-          <p:cNvPr id="37889" name="Rectangle 1"/>
+          <p:cNvPr id="36865" name="Rectangle 1"/>
           <p:cNvSpPr>
             <a:spLocks noGrp="1" noChangeArrowheads="1"/>
           </p:cNvSpPr>
@@ -7587,14 +7572,14 @@
           <a:p>
             <a:r>
               <a:rPr lang="en-US"/>
-              <a:t>iFrames</a:t>
-            </a:r>
-          </a:p>
-        </p:txBody>
-      </p:sp>
-      <p:sp>
-        <p:nvSpPr>
-          <p:cNvPr id="37890" name="Rectangle 2"/>
+              <a:t>Sample Table</a:t>
+            </a:r>
+          </a:p>
+        </p:txBody>
+      </p:sp>
+      <p:sp>
+        <p:nvSpPr>
+          <p:cNvPr id="36866" name="Rectangle 2"/>
           <p:cNvSpPr>
             <a:spLocks noGrp="1" noChangeArrowheads="1"/>
           </p:cNvSpPr>
@@ -7609,154 +7594,168 @@
           <a:bodyPr/>
           <a:lstStyle/>
           <a:p>
-            <a:pPr marL="889000"/>
-            <a:r>
-              <a:rPr lang="en-US" sz="3800" dirty="0"/>
-              <a:t>An </a:t>
-            </a:r>
-            <a:r>
-              <a:rPr lang="en-US" sz="3800" dirty="0" err="1"/>
-              <a:t>Iframe</a:t>
-            </a:r>
-            <a:r>
-              <a:rPr lang="en-US" sz="3800" dirty="0"/>
-              <a:t> is another HTML page or website viewed in a frame inside your HTML page</a:t>
-            </a:r>
-          </a:p>
-          <a:p>
-            <a:pPr marL="889000"/>
-            <a:r>
-              <a:rPr lang="en-US" dirty="0"/>
-              <a:t>This is how some websites create embeddable </a:t>
-            </a:r>
-            <a:r>
-              <a:rPr lang="en-US" dirty="0" smtClean="0"/>
-              <a:t>widgets</a:t>
-            </a:r>
-            <a:endParaRPr lang="en-US" dirty="0"/>
-          </a:p>
-        </p:txBody>
-      </p:sp>
-      <p:sp>
-        <p:nvSpPr>
-          <p:cNvPr id="4" name="Rectangle 3"/>
-          <p:cNvSpPr/>
-          <p:nvPr/>
-        </p:nvSpPr>
-        <p:spPr>
-          <a:xfrm>
-            <a:off x="2616200" y="6172200"/>
-            <a:ext cx="7987659" cy="1200329"/>
-          </a:xfrm>
-          <a:prstGeom prst="rect">
-            <a:avLst/>
-          </a:prstGeom>
-        </p:spPr>
-        <p:txBody>
-          <a:bodyPr wrap="none">
-            <a:spAutoFit/>
-          </a:bodyPr>
-          <a:lstStyle/>
-          <a:p>
-            <a:r>
-              <a:rPr lang="en-US" sz="3600" dirty="0" smtClean="0">
-                <a:solidFill>
-                  <a:schemeClr val="bg1"/>
-                </a:solidFill>
-                <a:latin typeface="American Typewriter"/>
-                <a:cs typeface="American Typewriter"/>
-              </a:rPr>
-              <a:t>&lt;</a:t>
-            </a:r>
-            <a:r>
-              <a:rPr lang="en-US" sz="3600" dirty="0" err="1" smtClean="0">
-                <a:solidFill>
-                  <a:schemeClr val="bg1"/>
-                </a:solidFill>
-                <a:latin typeface="American Typewriter"/>
-                <a:cs typeface="American Typewriter"/>
-              </a:rPr>
-              <a:t>iframe</a:t>
-            </a:r>
-            <a:r>
-              <a:rPr lang="en-US" sz="3600" dirty="0" smtClean="0">
-                <a:solidFill>
-                  <a:schemeClr val="bg1"/>
-                </a:solidFill>
-                <a:latin typeface="American Typewriter"/>
-                <a:cs typeface="American Typewriter"/>
-              </a:rPr>
-              <a:t> </a:t>
-            </a:r>
-            <a:r>
-              <a:rPr lang="en-US" sz="3600" dirty="0" err="1" smtClean="0">
-                <a:solidFill>
-                  <a:schemeClr val="bg1"/>
-                </a:solidFill>
-                <a:latin typeface="American Typewriter"/>
-                <a:cs typeface="American Typewriter"/>
-              </a:rPr>
-              <a:t>src</a:t>
-            </a:r>
-            <a:r>
-              <a:rPr lang="en-US" sz="3600" dirty="0" smtClean="0">
-                <a:solidFill>
-                  <a:schemeClr val="bg1"/>
-                </a:solidFill>
-                <a:latin typeface="American Typewriter"/>
-                <a:cs typeface="American Typewriter"/>
-              </a:rPr>
-              <a:t>="</a:t>
-            </a:r>
-            <a:r>
-              <a:rPr lang="en-US" sz="3600" dirty="0" err="1" smtClean="0">
-                <a:solidFill>
-                  <a:schemeClr val="bg1"/>
-                </a:solidFill>
-                <a:latin typeface="American Typewriter"/>
-                <a:cs typeface="American Typewriter"/>
-              </a:rPr>
-              <a:t>page.html</a:t>
-            </a:r>
-            <a:r>
-              <a:rPr lang="en-US" sz="3600" dirty="0" smtClean="0">
-                <a:solidFill>
-                  <a:schemeClr val="bg1"/>
-                </a:solidFill>
-                <a:latin typeface="American Typewriter"/>
-                <a:cs typeface="American Typewriter"/>
-              </a:rPr>
-              <a:t>"&gt;&lt;/</a:t>
-            </a:r>
-            <a:r>
-              <a:rPr lang="en-US" sz="3600" dirty="0" err="1" smtClean="0">
-                <a:solidFill>
-                  <a:schemeClr val="bg1"/>
-                </a:solidFill>
-                <a:latin typeface="American Typewriter"/>
-                <a:cs typeface="American Typewriter"/>
-              </a:rPr>
-              <a:t>iframe</a:t>
-            </a:r>
-            <a:r>
-              <a:rPr lang="en-US" sz="3600" dirty="0" smtClean="0">
-                <a:solidFill>
-                  <a:schemeClr val="bg1"/>
-                </a:solidFill>
-                <a:latin typeface="American Typewriter"/>
-                <a:cs typeface="American Typewriter"/>
-              </a:rPr>
-              <a:t>&gt;</a:t>
-            </a:r>
-          </a:p>
-          <a:p>
-            <a:endParaRPr lang="es-ES_tradnl" sz="3600" dirty="0">
-              <a:solidFill>
-                <a:schemeClr val="bg1"/>
-              </a:solidFill>
+            <a:pPr>
+              <a:buNone/>
+            </a:pPr>
+            <a:r>
+              <a:rPr lang="en-US" sz="3800" dirty="0">
+                <a:latin typeface="American Typewriter"/>
+                <a:cs typeface="American Typewriter"/>
+              </a:rPr>
+              <a:t>&lt;table&gt;</a:t>
+            </a:r>
+            <a:endParaRPr lang="en-US" sz="3800" dirty="0" smtClean="0">
               <a:latin typeface="American Typewriter"/>
               <a:cs typeface="American Typewriter"/>
             </a:endParaRPr>
+          </a:p>
+          <a:p>
+            <a:pPr>
+              <a:buNone/>
+            </a:pPr>
+            <a:r>
+              <a:rPr lang="en-US" sz="3800" dirty="0" smtClean="0">
+                <a:latin typeface="American Typewriter"/>
+                <a:cs typeface="American Typewriter"/>
+              </a:rPr>
+              <a:t>	&lt;</a:t>
+            </a:r>
+            <a:r>
+              <a:rPr lang="en-US" sz="3800" dirty="0" err="1">
+                <a:latin typeface="American Typewriter"/>
+                <a:cs typeface="American Typewriter"/>
+              </a:rPr>
+              <a:t>tr</a:t>
+            </a:r>
+            <a:r>
+              <a:rPr lang="en-US" sz="3800" dirty="0">
+                <a:latin typeface="American Typewriter"/>
+                <a:cs typeface="American Typewriter"/>
+              </a:rPr>
+              <a:t>&gt;</a:t>
+            </a:r>
+            <a:endParaRPr lang="en-US" sz="3800" dirty="0" smtClean="0">
+              <a:latin typeface="American Typewriter"/>
+              <a:cs typeface="American Typewriter"/>
+            </a:endParaRPr>
+          </a:p>
+          <a:p>
+            <a:pPr>
+              <a:buNone/>
+            </a:pPr>
+            <a:r>
+              <a:rPr lang="en-US" sz="3800" dirty="0" smtClean="0">
+                <a:latin typeface="American Typewriter"/>
+                <a:cs typeface="American Typewriter"/>
+              </a:rPr>
+              <a:t>		&lt;</a:t>
+            </a:r>
+            <a:r>
+              <a:rPr lang="en-US" sz="3800" dirty="0">
+                <a:latin typeface="American Typewriter"/>
+                <a:cs typeface="American Typewriter"/>
+              </a:rPr>
+              <a:t>td&gt;</a:t>
+            </a:r>
+            <a:endParaRPr lang="en-US" sz="3800" dirty="0" smtClean="0">
+              <a:latin typeface="American Typewriter"/>
+              <a:cs typeface="American Typewriter"/>
+            </a:endParaRPr>
+          </a:p>
+          <a:p>
+            <a:pPr>
+              <a:buNone/>
+            </a:pPr>
+            <a:r>
+              <a:rPr lang="en-US" sz="3800" dirty="0" smtClean="0"/>
+              <a:t>					</a:t>
+            </a:r>
+            <a:r>
+              <a:rPr lang="en-US" sz="3800" dirty="0" smtClean="0">
+                <a:latin typeface="American Typewriter"/>
+                <a:cs typeface="American Typewriter"/>
+              </a:rPr>
+              <a:t>Hello</a:t>
+            </a:r>
+            <a:r>
+              <a:rPr lang="en-US" sz="3800" dirty="0">
+                <a:latin typeface="American Typewriter"/>
+                <a:cs typeface="American Typewriter"/>
+              </a:rPr>
+              <a:t>!</a:t>
+            </a:r>
+            <a:endParaRPr lang="en-US" sz="3800" dirty="0" smtClean="0">
+              <a:latin typeface="American Typewriter"/>
+              <a:cs typeface="American Typewriter"/>
+            </a:endParaRPr>
+          </a:p>
+          <a:p>
+            <a:pPr>
+              <a:buNone/>
+            </a:pPr>
+            <a:r>
+              <a:rPr lang="en-US" sz="3800" dirty="0" smtClean="0">
+                <a:latin typeface="American Typewriter"/>
+                <a:cs typeface="American Typewriter"/>
+              </a:rPr>
+              <a:t>		&lt;</a:t>
+            </a:r>
+            <a:r>
+              <a:rPr lang="en-US" sz="3800" dirty="0">
+                <a:latin typeface="American Typewriter"/>
+                <a:cs typeface="American Typewriter"/>
+              </a:rPr>
+              <a:t>/td&gt;</a:t>
+            </a:r>
+            <a:endParaRPr lang="en-US" sz="3800" dirty="0" smtClean="0">
+              <a:latin typeface="American Typewriter"/>
+              <a:cs typeface="American Typewriter"/>
+            </a:endParaRPr>
+          </a:p>
+          <a:p>
+            <a:pPr>
+              <a:buNone/>
+            </a:pPr>
+            <a:r>
+              <a:rPr lang="en-US" sz="3800" dirty="0" smtClean="0">
+                <a:latin typeface="American Typewriter"/>
+                <a:cs typeface="American Typewriter"/>
+              </a:rPr>
+              <a:t>	&lt;</a:t>
+            </a:r>
+            <a:r>
+              <a:rPr lang="en-US" sz="3800" dirty="0">
+                <a:latin typeface="American Typewriter"/>
+                <a:cs typeface="American Typewriter"/>
+              </a:rPr>
+              <a:t>/</a:t>
+            </a:r>
+            <a:r>
+              <a:rPr lang="en-US" sz="3800" dirty="0" err="1">
+                <a:latin typeface="American Typewriter"/>
+                <a:cs typeface="American Typewriter"/>
+              </a:rPr>
+              <a:t>tr</a:t>
+            </a:r>
+            <a:r>
+              <a:rPr lang="en-US" sz="3800" dirty="0">
+                <a:latin typeface="American Typewriter"/>
+                <a:cs typeface="American Typewriter"/>
+              </a:rPr>
+              <a:t>&gt;</a:t>
+            </a:r>
+          </a:p>
+          <a:p>
+            <a:pPr>
+              <a:buNone/>
+            </a:pPr>
+            <a:r>
+              <a:rPr lang="en-US" sz="3800" dirty="0">
+                <a:latin typeface="American Typewriter"/>
+                <a:cs typeface="American Typewriter"/>
+              </a:rPr>
+              <a:t>&lt;/table&gt;</a:t>
+            </a:r>
           </a:p>
         </p:txBody>
       </p:sp>
@@ -8051,7 +8050,7 @@
       </p:grpSpPr>
       <p:sp>
         <p:nvSpPr>
-          <p:cNvPr id="38913" name="Rectangle 1"/>
+          <p:cNvPr id="37889" name="Rectangle 1"/>
           <p:cNvSpPr>
             <a:spLocks noGrp="1" noChangeArrowheads="1"/>
           </p:cNvSpPr>
@@ -8068,14 +8067,14 @@
           <a:p>
             <a:r>
               <a:rPr lang="en-US"/>
-              <a:t>Embedding Javascript</a:t>
-            </a:r>
-          </a:p>
-        </p:txBody>
-      </p:sp>
-      <p:sp>
-        <p:nvSpPr>
-          <p:cNvPr id="38914" name="Rectangle 2"/>
+              <a:t>iFrames</a:t>
+            </a:r>
+          </a:p>
+        </p:txBody>
+      </p:sp>
+      <p:sp>
+        <p:nvSpPr>
+          <p:cNvPr id="37890" name="Rectangle 2"/>
           <p:cNvSpPr>
             <a:spLocks noGrp="1" noChangeArrowheads="1"/>
           </p:cNvSpPr>
@@ -8090,52 +8089,31 @@
           <a:bodyPr/>
           <a:lstStyle/>
           <a:p>
-            <a:pPr marL="889000">
-              <a:buClr>
-                <a:srgbClr val="000000"/>
-              </a:buClr>
-            </a:pPr>
+            <a:pPr marL="889000"/>
             <a:r>
               <a:rPr lang="en-US" sz="3800" dirty="0"/>
-              <a:t>To embed JavaScript in your page, use the script tag.</a:t>
-            </a:r>
-            <a:endParaRPr lang="en-US" sz="3800" dirty="0" smtClean="0"/>
-          </a:p>
-          <a:p>
-            <a:pPr marL="889000">
-              <a:buClr>
-                <a:srgbClr val="000000"/>
-              </a:buClr>
-              <a:buNone/>
-            </a:pPr>
-            <a:endParaRPr lang="en-US" sz="3200" dirty="0" smtClean="0"/>
-          </a:p>
-          <a:p>
-            <a:pPr marL="889000">
-              <a:buClr>
-                <a:srgbClr val="000000"/>
-              </a:buClr>
-              <a:buNone/>
-            </a:pPr>
-            <a:endParaRPr lang="en-US" sz="3200" dirty="0" smtClean="0"/>
-          </a:p>
-          <a:p>
-            <a:pPr marL="889000">
-              <a:buClr>
-                <a:srgbClr val="000000"/>
-              </a:buClr>
-              <a:buNone/>
-            </a:pPr>
-            <a:endParaRPr lang="en-US" sz="3200" dirty="0" smtClean="0"/>
-          </a:p>
-          <a:p>
-            <a:pPr marL="889000">
-              <a:buClr>
-                <a:srgbClr val="000000"/>
-              </a:buClr>
-              <a:buNone/>
-            </a:pPr>
-            <a:endParaRPr lang="en-US" sz="3200" dirty="0"/>
+              <a:t>An </a:t>
+            </a:r>
+            <a:r>
+              <a:rPr lang="en-US" sz="3800" dirty="0" err="1"/>
+              <a:t>Iframe</a:t>
+            </a:r>
+            <a:r>
+              <a:rPr lang="en-US" sz="3800" dirty="0"/>
+              <a:t> is another HTML page or website viewed in a frame inside your HTML page</a:t>
+            </a:r>
+          </a:p>
+          <a:p>
+            <a:pPr marL="889000"/>
+            <a:r>
+              <a:rPr lang="en-US" dirty="0"/>
+              <a:t>This is how some websites create embeddable </a:t>
+            </a:r>
+            <a:r>
+              <a:rPr lang="en-US" dirty="0" smtClean="0"/>
+              <a:t>widgets</a:t>
+            </a:r>
+            <a:endParaRPr lang="en-US" dirty="0"/>
           </a:p>
         </p:txBody>
       </p:sp>
@@ -8147,8 +8125,8 @@
         </p:nvSpPr>
         <p:spPr>
           <a:xfrm>
-            <a:off x="479455" y="4648200"/>
-            <a:ext cx="12347545" cy="646331"/>
+            <a:off x="2616200" y="6172200"/>
+            <a:ext cx="7987659" cy="1200329"/>
           </a:xfrm>
           <a:prstGeom prst="rect">
             <a:avLst/>
@@ -8168,7 +8146,7 @@
                 <a:latin typeface="American Typewriter"/>
                 <a:cs typeface="American Typewriter"/>
               </a:rPr>
-              <a:t>&lt;script type="text/</a:t>
+              <a:t>&lt;</a:t>
             </a:r>
             <a:r>
               <a:rPr lang="en-US" sz="3600" dirty="0" err="1" smtClean="0">
@@ -8178,7 +8156,7 @@
                 <a:latin typeface="American Typewriter"/>
                 <a:cs typeface="American Typewriter"/>
               </a:rPr>
-              <a:t>javascript</a:t>
+              <a:t>iframe</a:t>
             </a:r>
             <a:r>
               <a:rPr lang="en-US" sz="3600" dirty="0" smtClean="0">
@@ -8188,7 +8166,7 @@
                 <a:latin typeface="American Typewriter"/>
                 <a:cs typeface="American Typewriter"/>
               </a:rPr>
-              <a:t>" </a:t>
+              <a:t> </a:t>
             </a:r>
             <a:r>
               <a:rPr lang="en-US" sz="3600" dirty="0" err="1" smtClean="0">
@@ -8218,7 +8196,7 @@
                 <a:latin typeface="American Typewriter"/>
                 <a:cs typeface="American Typewriter"/>
               </a:rPr>
-              <a:t>yourfile.js</a:t>
+              <a:t>page.html</a:t>
             </a:r>
             <a:r>
               <a:rPr lang="en-US" sz="3600" dirty="0" smtClean="0">
@@ -8228,8 +8206,30 @@
                 <a:latin typeface="American Typewriter"/>
                 <a:cs typeface="American Typewriter"/>
               </a:rPr>
-              <a:t>"&gt;&lt;/script&gt;</a:t>
-            </a:r>
+              <a:t>"&gt;&lt;/</a:t>
+            </a:r>
+            <a:r>
+              <a:rPr lang="en-US" sz="3600" dirty="0" err="1" smtClean="0">
+                <a:solidFill>
+                  <a:schemeClr val="bg1"/>
+                </a:solidFill>
+                <a:latin typeface="American Typewriter"/>
+                <a:cs typeface="American Typewriter"/>
+              </a:rPr>
+              <a:t>iframe</a:t>
+            </a:r>
+            <a:r>
+              <a:rPr lang="en-US" sz="3600" dirty="0" smtClean="0">
+                <a:solidFill>
+                  <a:schemeClr val="bg1"/>
+                </a:solidFill>
+                <a:latin typeface="American Typewriter"/>
+                <a:cs typeface="American Typewriter"/>
+              </a:rPr>
+              <a:t>&gt;</a:t>
+            </a:r>
+          </a:p>
+          <a:p>
             <a:endParaRPr lang="es-ES_tradnl" sz="3600" dirty="0">
               <a:solidFill>
                 <a:schemeClr val="bg1"/>
@@ -8268,7 +8268,7 @@
       </p:grpSpPr>
       <p:sp>
         <p:nvSpPr>
-          <p:cNvPr id="39937" name="Rectangle 1"/>
+          <p:cNvPr id="38913" name="Rectangle 1"/>
           <p:cNvSpPr>
             <a:spLocks noGrp="1" noChangeArrowheads="1"/>
           </p:cNvSpPr>
@@ -8285,14 +8285,14 @@
           <a:p>
             <a:r>
               <a:rPr lang="en-US"/>
-              <a:t>Create Your Own</a:t>
-            </a:r>
-          </a:p>
-        </p:txBody>
-      </p:sp>
-      <p:sp>
-        <p:nvSpPr>
-          <p:cNvPr id="39938" name="Rectangle 2"/>
+              <a:t>Embedding Javascript</a:t>
+            </a:r>
+          </a:p>
+        </p:txBody>
+      </p:sp>
+      <p:sp>
+        <p:nvSpPr>
+          <p:cNvPr id="38914" name="Rectangle 2"/>
           <p:cNvSpPr>
             <a:spLocks noGrp="1" noChangeArrowheads="1"/>
           </p:cNvSpPr>
@@ -8307,34 +8307,153 @@
           <a:bodyPr/>
           <a:lstStyle/>
           <a:p>
-            <a:r>
-              <a:rPr lang="en-US" dirty="0"/>
-              <a:t>Markup your own page.</a:t>
-            </a:r>
-          </a:p>
-          <a:p>
-            <a:r>
-              <a:rPr lang="en-US" dirty="0"/>
-              <a:t>Feel free to use Google to look things up</a:t>
-            </a:r>
-            <a:r>
-              <a:rPr lang="en-US" dirty="0" smtClean="0"/>
-              <a:t>.</a:t>
-            </a:r>
-          </a:p>
-          <a:p>
-            <a:pPr lvl="1"/>
-            <a:r>
-              <a:rPr lang="en-US" dirty="0" smtClean="0">
-                <a:hlinkClick r:id="rId2"/>
-              </a:rPr>
-              <a:t>www.w3schools.com</a:t>
-            </a:r>
-            <a:r>
-              <a:rPr lang="en-US" dirty="0" smtClean="0"/>
-              <a:t> is a great resource!</a:t>
-            </a:r>
-            <a:endParaRPr lang="en-US" dirty="0"/>
+            <a:pPr marL="889000">
+              <a:buClr>
+                <a:srgbClr val="000000"/>
+              </a:buClr>
+            </a:pPr>
+            <a:r>
+              <a:rPr lang="en-US" sz="3800" dirty="0"/>
+              <a:t>To embed JavaScript in your page, use the script tag.</a:t>
+            </a:r>
+            <a:endParaRPr lang="en-US" sz="3800" dirty="0" smtClean="0"/>
+          </a:p>
+          <a:p>
+            <a:pPr marL="889000">
+              <a:buClr>
+                <a:srgbClr val="000000"/>
+              </a:buClr>
+              <a:buNone/>
+            </a:pPr>
+            <a:endParaRPr lang="en-US" sz="3200" dirty="0" smtClean="0"/>
+          </a:p>
+          <a:p>
+            <a:pPr marL="889000">
+              <a:buClr>
+                <a:srgbClr val="000000"/>
+              </a:buClr>
+              <a:buNone/>
+            </a:pPr>
+            <a:endParaRPr lang="en-US" sz="3200" dirty="0" smtClean="0"/>
+          </a:p>
+          <a:p>
+            <a:pPr marL="889000">
+              <a:buClr>
+                <a:srgbClr val="000000"/>
+              </a:buClr>
+              <a:buNone/>
+            </a:pPr>
+            <a:endParaRPr lang="en-US" sz="3200" dirty="0" smtClean="0"/>
+          </a:p>
+          <a:p>
+            <a:pPr marL="889000">
+              <a:buClr>
+                <a:srgbClr val="000000"/>
+              </a:buClr>
+              <a:buNone/>
+            </a:pPr>
+            <a:endParaRPr lang="en-US" sz="3200" dirty="0"/>
+          </a:p>
+        </p:txBody>
+      </p:sp>
+      <p:sp>
+        <p:nvSpPr>
+          <p:cNvPr id="4" name="Rectangle 3"/>
+          <p:cNvSpPr/>
+          <p:nvPr/>
+        </p:nvSpPr>
+        <p:spPr>
+          <a:xfrm>
+            <a:off x="479455" y="4648200"/>
+            <a:ext cx="12347545" cy="646331"/>
+          </a:xfrm>
+          <a:prstGeom prst="rect">
+            <a:avLst/>
+          </a:prstGeom>
+        </p:spPr>
+        <p:txBody>
+          <a:bodyPr wrap="none">
+            <a:spAutoFit/>
+          </a:bodyPr>
+          <a:lstStyle/>
+          <a:p>
+            <a:r>
+              <a:rPr lang="en-US" sz="3600" dirty="0" smtClean="0">
+                <a:solidFill>
+                  <a:schemeClr val="bg1"/>
+                </a:solidFill>
+                <a:latin typeface="American Typewriter"/>
+                <a:cs typeface="American Typewriter"/>
+              </a:rPr>
+              <a:t>&lt;script type="text/</a:t>
+            </a:r>
+            <a:r>
+              <a:rPr lang="en-US" sz="3600" dirty="0" err="1" smtClean="0">
+                <a:solidFill>
+                  <a:schemeClr val="bg1"/>
+                </a:solidFill>
+                <a:latin typeface="American Typewriter"/>
+                <a:cs typeface="American Typewriter"/>
+              </a:rPr>
+              <a:t>javascript</a:t>
+            </a:r>
+            <a:r>
+              <a:rPr lang="en-US" sz="3600" dirty="0" smtClean="0">
+                <a:solidFill>
+                  <a:schemeClr val="bg1"/>
+                </a:solidFill>
+                <a:latin typeface="American Typewriter"/>
+                <a:cs typeface="American Typewriter"/>
+              </a:rPr>
+              <a:t>" </a:t>
+            </a:r>
+            <a:r>
+              <a:rPr lang="en-US" sz="3600" dirty="0" err="1" smtClean="0">
+                <a:solidFill>
+                  <a:schemeClr val="bg1"/>
+                </a:solidFill>
+                <a:latin typeface="American Typewriter"/>
+                <a:cs typeface="American Typewriter"/>
+              </a:rPr>
+              <a:t>src</a:t>
+            </a:r>
+            <a:r>
+              <a:rPr lang="en-US" sz="3600" dirty="0" smtClean="0">
+                <a:solidFill>
+                  <a:schemeClr val="bg1"/>
+                </a:solidFill>
+                <a:latin typeface="American Typewriter"/>
+                <a:cs typeface="American Typewriter"/>
+              </a:rPr>
+              <a:t>="</a:t>
+            </a:r>
+            <a:r>
+              <a:rPr lang="en-US" sz="3600" dirty="0" err="1" smtClean="0">
+                <a:solidFill>
+                  <a:schemeClr val="bg1"/>
+                </a:solidFill>
+                <a:latin typeface="American Typewriter"/>
+                <a:cs typeface="American Typewriter"/>
+              </a:rPr>
+              <a:t>yourfile.js</a:t>
+            </a:r>
+            <a:r>
+              <a:rPr lang="en-US" sz="3600" dirty="0" smtClean="0">
+                <a:solidFill>
+                  <a:schemeClr val="bg1"/>
+                </a:solidFill>
+                <a:latin typeface="American Typewriter"/>
+                <a:cs typeface="American Typewriter"/>
+              </a:rPr>
+              <a:t>"&gt;&lt;/script&gt;</a:t>
+            </a:r>
+            <a:endParaRPr lang="es-ES_tradnl" sz="3600" dirty="0">
+              <a:solidFill>
+                <a:schemeClr val="bg1"/>
+              </a:solidFill>
+              <a:latin typeface="American Typewriter"/>
+              <a:cs typeface="American Typewriter"/>
+            </a:endParaRPr>
           </a:p>
         </p:txBody>
       </p:sp>
@@ -8366,376 +8485,73 @@
       </p:grpSpPr>
       <p:sp>
         <p:nvSpPr>
-          <p:cNvPr id="2" name="Title 1"/>
-          <p:cNvSpPr>
-            <a:spLocks noGrp="1"/>
+          <p:cNvPr id="39937" name="Rectangle 1"/>
+          <p:cNvSpPr>
+            <a:spLocks noGrp="1" noChangeArrowheads="1"/>
           </p:cNvSpPr>
           <p:nvPr>
             <p:ph type="title"/>
           </p:nvPr>
         </p:nvSpPr>
-        <p:spPr/>
+        <p:spPr>
+          <a:ln/>
+        </p:spPr>
         <p:txBody>
           <a:bodyPr/>
           <a:lstStyle/>
           <a:p>
             <a:r>
-              <a:rPr lang="es-ES_tradnl" dirty="0" smtClean="0"/>
-              <a:t>&lt;</a:t>
-            </a:r>
-            <a:r>
-              <a:rPr lang="es-ES_tradnl" dirty="0" err="1" smtClean="0"/>
-              <a:t>div</a:t>
-            </a:r>
-            <a:r>
-              <a:rPr lang="es-ES_tradnl" dirty="0" smtClean="0"/>
-              <a:t>&gt; </a:t>
-            </a:r>
-            <a:r>
-              <a:rPr lang="es-ES_tradnl" dirty="0" err="1" smtClean="0"/>
-              <a:t>and</a:t>
-            </a:r>
-            <a:r>
-              <a:rPr lang="es-ES_tradnl" dirty="0" smtClean="0"/>
-              <a:t> &lt;</a:t>
-            </a:r>
-            <a:r>
-              <a:rPr lang="es-ES_tradnl" dirty="0" err="1" smtClean="0"/>
-              <a:t>span</a:t>
-            </a:r>
-            <a:r>
-              <a:rPr lang="es-ES_tradnl" dirty="0" smtClean="0"/>
-              <a:t>&gt;</a:t>
-            </a:r>
-            <a:endParaRPr lang="es-ES_tradnl" dirty="0"/>
-          </a:p>
-        </p:txBody>
-      </p:sp>
-      <p:sp>
-        <p:nvSpPr>
-          <p:cNvPr id="3" name="Content Placeholder 2"/>
-          <p:cNvSpPr>
-            <a:spLocks noGrp="1"/>
-          </p:cNvSpPr>
-          <p:nvPr>
-            <p:ph idx="1"/>
-          </p:nvPr>
-        </p:nvSpPr>
-        <p:spPr/>
-        <p:txBody>
-          <a:bodyPr>
-            <a:normAutofit lnSpcReduction="10000"/>
-          </a:bodyPr>
-          <a:lstStyle/>
-          <a:p>
-            <a:r>
-              <a:rPr lang="es-ES_tradnl" dirty="0" smtClean="0"/>
-              <a:t>&lt;</a:t>
-            </a:r>
-            <a:r>
-              <a:rPr lang="es-ES_tradnl" dirty="0" err="1" smtClean="0"/>
-              <a:t>div</a:t>
-            </a:r>
-            <a:r>
-              <a:rPr lang="es-ES_tradnl" dirty="0" smtClean="0"/>
-              <a:t>&gt; </a:t>
-            </a:r>
-            <a:r>
-              <a:rPr lang="es-ES_tradnl" dirty="0" err="1" smtClean="0"/>
-              <a:t>represents</a:t>
-            </a:r>
-            <a:r>
-              <a:rPr lang="es-ES_tradnl" dirty="0" smtClean="0"/>
-              <a:t> a </a:t>
-            </a:r>
-            <a:r>
-              <a:rPr lang="es-ES_tradnl" dirty="0" err="1" smtClean="0"/>
-              <a:t>generic</a:t>
-            </a:r>
-            <a:r>
-              <a:rPr lang="es-ES_tradnl" dirty="0" smtClean="0"/>
-              <a:t> </a:t>
-            </a:r>
-            <a:r>
-              <a:rPr lang="es-ES_tradnl" dirty="0" err="1" smtClean="0"/>
-              <a:t>element</a:t>
-            </a:r>
-            <a:r>
-              <a:rPr lang="es-ES_tradnl" dirty="0" smtClean="0"/>
-              <a:t> (a “</a:t>
-            </a:r>
-            <a:r>
-              <a:rPr lang="es-ES_tradnl" dirty="0" err="1" smtClean="0"/>
-              <a:t>division</a:t>
-            </a:r>
-            <a:r>
-              <a:rPr lang="es-ES_tradnl" dirty="0" smtClean="0"/>
-              <a:t>”) </a:t>
-            </a:r>
-            <a:r>
-              <a:rPr lang="es-ES_tradnl" dirty="0" err="1" smtClean="0"/>
-              <a:t>–</a:t>
-            </a:r>
-            <a:r>
-              <a:rPr lang="es-ES_tradnl" dirty="0" smtClean="0"/>
-              <a:t> </a:t>
-            </a:r>
-            <a:r>
-              <a:rPr lang="es-ES_tradnl" dirty="0" err="1" smtClean="0"/>
-              <a:t>you</a:t>
-            </a:r>
-            <a:r>
-              <a:rPr lang="es-ES_tradnl" dirty="0" smtClean="0"/>
-              <a:t> can </a:t>
-            </a:r>
-            <a:r>
-              <a:rPr lang="es-ES_tradnl" dirty="0" err="1" smtClean="0"/>
-              <a:t>style</a:t>
-            </a:r>
-            <a:r>
-              <a:rPr lang="es-ES_tradnl" dirty="0" smtClean="0"/>
-              <a:t> </a:t>
-            </a:r>
-            <a:r>
-              <a:rPr lang="es-ES_tradnl" dirty="0" err="1" smtClean="0"/>
-              <a:t>it</a:t>
-            </a:r>
-            <a:r>
-              <a:rPr lang="es-ES_tradnl" dirty="0" smtClean="0"/>
-              <a:t> </a:t>
-            </a:r>
-            <a:r>
-              <a:rPr lang="es-ES_tradnl" dirty="0" err="1" smtClean="0"/>
-              <a:t>however</a:t>
-            </a:r>
-            <a:r>
-              <a:rPr lang="es-ES_tradnl" dirty="0" smtClean="0"/>
-              <a:t> </a:t>
-            </a:r>
-            <a:r>
-              <a:rPr lang="es-ES_tradnl" dirty="0" err="1" smtClean="0"/>
-              <a:t>you</a:t>
-            </a:r>
-            <a:r>
-              <a:rPr lang="es-ES_tradnl" dirty="0" smtClean="0"/>
-              <a:t> </a:t>
-            </a:r>
-            <a:r>
-              <a:rPr lang="es-ES_tradnl" dirty="0" err="1" smtClean="0"/>
-              <a:t>want</a:t>
-            </a:r>
-            <a:endParaRPr lang="es-ES_tradnl" dirty="0" smtClean="0"/>
-          </a:p>
-          <a:p>
-            <a:r>
-              <a:rPr lang="es-ES_tradnl" dirty="0" smtClean="0"/>
-              <a:t>&lt;</a:t>
-            </a:r>
-            <a:r>
-              <a:rPr lang="es-ES_tradnl" dirty="0" err="1" smtClean="0"/>
-              <a:t>span</a:t>
-            </a:r>
-            <a:r>
-              <a:rPr lang="es-ES_tradnl" dirty="0" smtClean="0"/>
-              <a:t>&gt; </a:t>
-            </a:r>
-            <a:r>
-              <a:rPr lang="es-ES_tradnl" dirty="0" err="1" smtClean="0"/>
-              <a:t>is</a:t>
-            </a:r>
-            <a:r>
-              <a:rPr lang="es-ES_tradnl" dirty="0" smtClean="0"/>
-              <a:t> similar </a:t>
-            </a:r>
-            <a:r>
-              <a:rPr lang="es-ES_tradnl" dirty="0" err="1" smtClean="0"/>
-              <a:t>–</a:t>
-            </a:r>
-            <a:r>
-              <a:rPr lang="es-ES_tradnl" dirty="0" smtClean="0"/>
-              <a:t> </a:t>
-            </a:r>
-            <a:r>
-              <a:rPr lang="es-ES_tradnl" dirty="0" err="1" smtClean="0"/>
-              <a:t>used</a:t>
-            </a:r>
-            <a:r>
-              <a:rPr lang="es-ES_tradnl" dirty="0" smtClean="0"/>
-              <a:t> </a:t>
-            </a:r>
-            <a:r>
-              <a:rPr lang="es-ES_tradnl" dirty="0" err="1" smtClean="0"/>
-              <a:t>for</a:t>
-            </a:r>
-            <a:r>
-              <a:rPr lang="es-ES_tradnl" dirty="0" smtClean="0"/>
-              <a:t> </a:t>
-            </a:r>
-            <a:r>
-              <a:rPr lang="es-ES_tradnl" dirty="0" err="1" smtClean="0"/>
-              <a:t>inline</a:t>
-            </a:r>
-            <a:r>
-              <a:rPr lang="es-ES_tradnl" dirty="0" smtClean="0"/>
-              <a:t> </a:t>
-            </a:r>
-            <a:r>
-              <a:rPr lang="es-ES_tradnl" dirty="0" err="1" smtClean="0"/>
-              <a:t>text</a:t>
-            </a:r>
-            <a:r>
-              <a:rPr lang="es-ES_tradnl" dirty="0" smtClean="0"/>
-              <a:t> </a:t>
-            </a:r>
-            <a:r>
-              <a:rPr lang="es-ES_tradnl" dirty="0" err="1" smtClean="0"/>
-              <a:t>styling</a:t>
-            </a:r>
-            <a:endParaRPr lang="es-ES_tradnl" dirty="0" smtClean="0"/>
-          </a:p>
-          <a:p>
-            <a:endParaRPr lang="es-ES_tradnl" dirty="0" smtClean="0"/>
-          </a:p>
-          <a:p>
-            <a:pPr>
-              <a:buNone/>
-            </a:pPr>
-            <a:r>
-              <a:rPr lang="es-ES_tradnl" dirty="0" smtClean="0"/>
-              <a:t>&lt;</a:t>
-            </a:r>
-            <a:r>
-              <a:rPr lang="es-ES_tradnl" dirty="0" err="1" smtClean="0"/>
-              <a:t>div</a:t>
-            </a:r>
-            <a:r>
-              <a:rPr lang="es-ES_tradnl" dirty="0" smtClean="0"/>
-              <a:t>&gt;</a:t>
-            </a:r>
-          </a:p>
-          <a:p>
-            <a:pPr>
-              <a:buNone/>
-            </a:pPr>
-            <a:r>
-              <a:rPr lang="es-ES_tradnl" dirty="0" smtClean="0"/>
-              <a:t>	&lt;</a:t>
-            </a:r>
-            <a:r>
-              <a:rPr lang="es-ES_tradnl" dirty="0" err="1" smtClean="0"/>
-              <a:t>p</a:t>
-            </a:r>
-            <a:r>
-              <a:rPr lang="es-ES_tradnl" dirty="0" smtClean="0"/>
-              <a:t>&gt;</a:t>
-            </a:r>
-            <a:r>
-              <a:rPr lang="es-ES_tradnl" dirty="0" err="1" smtClean="0"/>
-              <a:t>This</a:t>
-            </a:r>
-            <a:r>
-              <a:rPr lang="es-ES_tradnl" dirty="0" smtClean="0"/>
-              <a:t> </a:t>
-            </a:r>
-            <a:r>
-              <a:rPr lang="es-ES_tradnl" dirty="0" err="1" smtClean="0"/>
-              <a:t>is</a:t>
-            </a:r>
-            <a:r>
-              <a:rPr lang="es-ES_tradnl" dirty="0" smtClean="0"/>
-              <a:t> a </a:t>
-            </a:r>
-            <a:r>
-              <a:rPr lang="es-ES_tradnl" dirty="0" err="1" smtClean="0"/>
-              <a:t>paragraph</a:t>
-            </a:r>
-            <a:r>
-              <a:rPr lang="es-ES_tradnl" dirty="0" smtClean="0"/>
-              <a:t>.&lt;/</a:t>
-            </a:r>
-            <a:r>
-              <a:rPr lang="es-ES_tradnl" dirty="0" err="1" smtClean="0"/>
-              <a:t>p</a:t>
-            </a:r>
-            <a:r>
-              <a:rPr lang="es-ES_tradnl" dirty="0" smtClean="0"/>
-              <a:t>&gt;</a:t>
-            </a:r>
-          </a:p>
-          <a:p>
-            <a:pPr>
-              <a:buNone/>
-            </a:pPr>
-            <a:r>
-              <a:rPr lang="es-ES_tradnl" dirty="0" smtClean="0"/>
-              <a:t>	&lt;</a:t>
-            </a:r>
-            <a:r>
-              <a:rPr lang="es-ES_tradnl" dirty="0" err="1" smtClean="0"/>
-              <a:t>p</a:t>
-            </a:r>
-            <a:r>
-              <a:rPr lang="es-ES_tradnl" dirty="0" smtClean="0"/>
-              <a:t>&gt;</a:t>
-            </a:r>
-            <a:r>
-              <a:rPr lang="es-ES_tradnl" dirty="0" err="1" smtClean="0"/>
-              <a:t>This</a:t>
-            </a:r>
-            <a:r>
-              <a:rPr lang="es-ES_tradnl" dirty="0" smtClean="0"/>
-              <a:t> </a:t>
-            </a:r>
-            <a:r>
-              <a:rPr lang="es-ES_tradnl" dirty="0" err="1" smtClean="0"/>
-              <a:t>is</a:t>
-            </a:r>
-            <a:r>
-              <a:rPr lang="es-ES_tradnl" dirty="0" smtClean="0"/>
-              <a:t> </a:t>
-            </a:r>
-            <a:r>
-              <a:rPr lang="es-ES_tradnl" dirty="0" err="1" smtClean="0"/>
-              <a:t>another</a:t>
-            </a:r>
-            <a:r>
-              <a:rPr lang="es-ES_tradnl" dirty="0" smtClean="0"/>
-              <a:t> </a:t>
-            </a:r>
-            <a:r>
-              <a:rPr lang="es-ES_tradnl" dirty="0" err="1" smtClean="0"/>
-              <a:t>paragraph</a:t>
-            </a:r>
-            <a:r>
-              <a:rPr lang="es-ES_tradnl" dirty="0" smtClean="0"/>
-              <a:t>.&lt;/</a:t>
-            </a:r>
-            <a:r>
-              <a:rPr lang="es-ES_tradnl" dirty="0" err="1" smtClean="0"/>
-              <a:t>p</a:t>
-            </a:r>
-            <a:r>
-              <a:rPr lang="es-ES_tradnl" dirty="0" smtClean="0"/>
-              <a:t>&gt;</a:t>
-            </a:r>
-          </a:p>
-          <a:p>
-            <a:pPr>
-              <a:buNone/>
-            </a:pPr>
-            <a:r>
-              <a:rPr lang="es-ES_tradnl" dirty="0" smtClean="0"/>
-              <a:t>&lt;/</a:t>
-            </a:r>
-            <a:r>
-              <a:rPr lang="es-ES_tradnl" dirty="0" err="1" smtClean="0"/>
-              <a:t>div</a:t>
-            </a:r>
-            <a:r>
-              <a:rPr lang="es-ES_tradnl" dirty="0" smtClean="0"/>
-              <a:t>&gt; </a:t>
-            </a:r>
-            <a:endParaRPr lang="es-ES_tradnl" dirty="0"/>
+              <a:rPr lang="en-US"/>
+              <a:t>Create Your Own</a:t>
+            </a:r>
+          </a:p>
+        </p:txBody>
+      </p:sp>
+      <p:sp>
+        <p:nvSpPr>
+          <p:cNvPr id="39938" name="Rectangle 2"/>
+          <p:cNvSpPr>
+            <a:spLocks noGrp="1" noChangeArrowheads="1"/>
+          </p:cNvSpPr>
+          <p:nvPr>
+            <p:ph type="body" idx="1"/>
+          </p:nvPr>
+        </p:nvSpPr>
+        <p:spPr>
+          <a:ln/>
+        </p:spPr>
+        <p:txBody>
+          <a:bodyPr/>
+          <a:lstStyle/>
+          <a:p>
+            <a:r>
+              <a:rPr lang="en-US" dirty="0"/>
+              <a:t>Markup your own page.</a:t>
+            </a:r>
+          </a:p>
+          <a:p>
+            <a:r>
+              <a:rPr lang="en-US" dirty="0"/>
+              <a:t>Feel free to use Google to look things up</a:t>
+            </a:r>
+            <a:r>
+              <a:rPr lang="en-US" dirty="0" smtClean="0"/>
+              <a:t>.</a:t>
+            </a:r>
+          </a:p>
+          <a:p>
+            <a:pPr lvl="1"/>
+            <a:r>
+              <a:rPr lang="en-US" dirty="0" smtClean="0">
+                <a:hlinkClick r:id="rId2"/>
+              </a:rPr>
+              <a:t>www.w3schools.com</a:t>
+            </a:r>
+            <a:r>
+              <a:rPr lang="en-US" dirty="0" smtClean="0"/>
+              <a:t> is a great resource!</a:t>
+            </a:r>
+            <a:endParaRPr lang="en-US" dirty="0"/>
           </a:p>
         </p:txBody>
       </p:sp>
@@ -8744,6 +8560,7 @@
   <p:clrMapOvr>
     <a:masterClrMapping/>
   </p:clrMapOvr>
+  <p:transition/>
 </p:sld>
 </file>
 
@@ -8781,11 +8598,31 @@
           <a:p>
             <a:r>
               <a:rPr lang="es-ES_tradnl" dirty="0" smtClean="0"/>
-              <a:t>HTML </a:t>
+              <a:t>&lt;</a:t>
             </a:r>
             <a:r>
               <a:rPr lang="es-ES_tradnl" dirty="0" err="1" smtClean="0"/>
-              <a:t>Attributes</a:t>
+              <a:t>div</a:t>
+            </a:r>
+            <a:r>
+              <a:rPr lang="es-ES_tradnl" dirty="0" smtClean="0"/>
+              <a:t>&gt; </a:t>
+            </a:r>
+            <a:r>
+              <a:rPr lang="es-ES_tradnl" dirty="0" err="1" smtClean="0"/>
+              <a:t>and</a:t>
+            </a:r>
+            <a:r>
+              <a:rPr lang="es-ES_tradnl" dirty="0" smtClean="0"/>
+              <a:t> &lt;</a:t>
+            </a:r>
+            <a:r>
+              <a:rPr lang="es-ES_tradnl" dirty="0" err="1" smtClean="0"/>
+              <a:t>span</a:t>
+            </a:r>
+            <a:r>
+              <a:rPr lang="es-ES_tradnl" dirty="0" smtClean="0"/>
+              <a:t>&gt;</a:t>
             </a:r>
             <a:endParaRPr lang="es-ES_tradnl" dirty="0"/>
           </a:p>
@@ -8803,8 +8640,412 @@
         </p:nvSpPr>
         <p:spPr/>
         <p:txBody>
+          <a:bodyPr>
+            <a:normAutofit lnSpcReduction="10000"/>
+          </a:bodyPr>
+          <a:lstStyle/>
+          <a:p>
+            <a:r>
+              <a:rPr lang="es-ES_tradnl" dirty="0" smtClean="0"/>
+              <a:t>&lt;</a:t>
+            </a:r>
+            <a:r>
+              <a:rPr lang="es-ES_tradnl" dirty="0" err="1" smtClean="0"/>
+              <a:t>div</a:t>
+            </a:r>
+            <a:r>
+              <a:rPr lang="es-ES_tradnl" dirty="0" smtClean="0"/>
+              <a:t>&gt; </a:t>
+            </a:r>
+            <a:r>
+              <a:rPr lang="es-ES_tradnl" dirty="0" err="1" smtClean="0"/>
+              <a:t>represents</a:t>
+            </a:r>
+            <a:r>
+              <a:rPr lang="es-ES_tradnl" dirty="0" smtClean="0"/>
+              <a:t> a </a:t>
+            </a:r>
+            <a:r>
+              <a:rPr lang="es-ES_tradnl" dirty="0" err="1" smtClean="0"/>
+              <a:t>generic</a:t>
+            </a:r>
+            <a:r>
+              <a:rPr lang="es-ES_tradnl" dirty="0" smtClean="0"/>
+              <a:t> </a:t>
+            </a:r>
+            <a:r>
+              <a:rPr lang="es-ES_tradnl" dirty="0" err="1" smtClean="0"/>
+              <a:t>element</a:t>
+            </a:r>
+            <a:r>
+              <a:rPr lang="es-ES_tradnl" dirty="0" smtClean="0"/>
+              <a:t> (a “</a:t>
+            </a:r>
+            <a:r>
+              <a:rPr lang="es-ES_tradnl" dirty="0" err="1" smtClean="0"/>
+              <a:t>division</a:t>
+            </a:r>
+            <a:r>
+              <a:rPr lang="es-ES_tradnl" dirty="0" smtClean="0"/>
+              <a:t>”) </a:t>
+            </a:r>
+            <a:r>
+              <a:rPr lang="es-ES_tradnl" dirty="0" err="1" smtClean="0"/>
+              <a:t>–</a:t>
+            </a:r>
+            <a:r>
+              <a:rPr lang="es-ES_tradnl" dirty="0" smtClean="0"/>
+              <a:t> </a:t>
+            </a:r>
+            <a:r>
+              <a:rPr lang="es-ES_tradnl" dirty="0" err="1" smtClean="0"/>
+              <a:t>you</a:t>
+            </a:r>
+            <a:r>
+              <a:rPr lang="es-ES_tradnl" dirty="0" smtClean="0"/>
+              <a:t> can </a:t>
+            </a:r>
+            <a:r>
+              <a:rPr lang="es-ES_tradnl" dirty="0" err="1" smtClean="0"/>
+              <a:t>style</a:t>
+            </a:r>
+            <a:r>
+              <a:rPr lang="es-ES_tradnl" dirty="0" smtClean="0"/>
+              <a:t> </a:t>
+            </a:r>
+            <a:r>
+              <a:rPr lang="es-ES_tradnl" dirty="0" err="1" smtClean="0"/>
+              <a:t>it</a:t>
+            </a:r>
+            <a:r>
+              <a:rPr lang="es-ES_tradnl" dirty="0" smtClean="0"/>
+              <a:t> </a:t>
+            </a:r>
+            <a:r>
+              <a:rPr lang="es-ES_tradnl" dirty="0" err="1" smtClean="0"/>
+              <a:t>however</a:t>
+            </a:r>
+            <a:r>
+              <a:rPr lang="es-ES_tradnl" dirty="0" smtClean="0"/>
+              <a:t> </a:t>
+            </a:r>
+            <a:r>
+              <a:rPr lang="es-ES_tradnl" dirty="0" err="1" smtClean="0"/>
+              <a:t>you</a:t>
+            </a:r>
+            <a:r>
+              <a:rPr lang="es-ES_tradnl" dirty="0" smtClean="0"/>
+              <a:t> </a:t>
+            </a:r>
+            <a:r>
+              <a:rPr lang="es-ES_tradnl" dirty="0" err="1" smtClean="0"/>
+              <a:t>want</a:t>
+            </a:r>
+            <a:endParaRPr lang="es-ES_tradnl" dirty="0" smtClean="0"/>
+          </a:p>
+          <a:p>
+            <a:r>
+              <a:rPr lang="es-ES_tradnl" dirty="0" smtClean="0"/>
+              <a:t>&lt;</a:t>
+            </a:r>
+            <a:r>
+              <a:rPr lang="es-ES_tradnl" dirty="0" err="1" smtClean="0"/>
+              <a:t>span</a:t>
+            </a:r>
+            <a:r>
+              <a:rPr lang="es-ES_tradnl" dirty="0" smtClean="0"/>
+              <a:t>&gt; </a:t>
+            </a:r>
+            <a:r>
+              <a:rPr lang="es-ES_tradnl" dirty="0" err="1" smtClean="0"/>
+              <a:t>is</a:t>
+            </a:r>
+            <a:r>
+              <a:rPr lang="es-ES_tradnl" dirty="0" smtClean="0"/>
+              <a:t> similar </a:t>
+            </a:r>
+            <a:r>
+              <a:rPr lang="es-ES_tradnl" dirty="0" err="1" smtClean="0"/>
+              <a:t>–</a:t>
+            </a:r>
+            <a:r>
+              <a:rPr lang="es-ES_tradnl" dirty="0" smtClean="0"/>
+              <a:t> </a:t>
+            </a:r>
+            <a:r>
+              <a:rPr lang="es-ES_tradnl" dirty="0" err="1" smtClean="0"/>
+              <a:t>used</a:t>
+            </a:r>
+            <a:r>
+              <a:rPr lang="es-ES_tradnl" dirty="0" smtClean="0"/>
+              <a:t> </a:t>
+            </a:r>
+            <a:r>
+              <a:rPr lang="es-ES_tradnl" dirty="0" err="1" smtClean="0"/>
+              <a:t>for</a:t>
+            </a:r>
+            <a:r>
+              <a:rPr lang="es-ES_tradnl" dirty="0" smtClean="0"/>
+              <a:t> </a:t>
+            </a:r>
+            <a:r>
+              <a:rPr lang="es-ES_tradnl" dirty="0" err="1" smtClean="0"/>
+              <a:t>inline</a:t>
+            </a:r>
+            <a:r>
+              <a:rPr lang="es-ES_tradnl" dirty="0" smtClean="0"/>
+              <a:t> </a:t>
+            </a:r>
+            <a:r>
+              <a:rPr lang="es-ES_tradnl" dirty="0" err="1" smtClean="0"/>
+              <a:t>text</a:t>
+            </a:r>
+            <a:r>
+              <a:rPr lang="es-ES_tradnl" dirty="0" smtClean="0"/>
+              <a:t> </a:t>
+            </a:r>
+            <a:r>
+              <a:rPr lang="es-ES_tradnl" dirty="0" err="1" smtClean="0"/>
+              <a:t>styling</a:t>
+            </a:r>
+            <a:endParaRPr lang="es-ES_tradnl" dirty="0" smtClean="0"/>
+          </a:p>
+          <a:p>
+            <a:endParaRPr lang="es-ES_tradnl" dirty="0" smtClean="0"/>
+          </a:p>
+          <a:p>
+            <a:pPr>
+              <a:buNone/>
+            </a:pPr>
+            <a:r>
+              <a:rPr lang="es-ES_tradnl" dirty="0" smtClean="0"/>
+              <a:t>&lt;</a:t>
+            </a:r>
+            <a:r>
+              <a:rPr lang="es-ES_tradnl" dirty="0" err="1" smtClean="0"/>
+              <a:t>div</a:t>
+            </a:r>
+            <a:r>
+              <a:rPr lang="es-ES_tradnl" dirty="0" smtClean="0"/>
+              <a:t>&gt;</a:t>
+            </a:r>
+          </a:p>
+          <a:p>
+            <a:pPr>
+              <a:buNone/>
+            </a:pPr>
+            <a:r>
+              <a:rPr lang="es-ES_tradnl" dirty="0" smtClean="0"/>
+              <a:t>	&lt;</a:t>
+            </a:r>
+            <a:r>
+              <a:rPr lang="es-ES_tradnl" dirty="0" err="1" smtClean="0"/>
+              <a:t>p</a:t>
+            </a:r>
+            <a:r>
+              <a:rPr lang="es-ES_tradnl" dirty="0" smtClean="0"/>
+              <a:t>&gt;</a:t>
+            </a:r>
+            <a:r>
+              <a:rPr lang="es-ES_tradnl" dirty="0" err="1" smtClean="0"/>
+              <a:t>This</a:t>
+            </a:r>
+            <a:r>
+              <a:rPr lang="es-ES_tradnl" dirty="0" smtClean="0"/>
+              <a:t> </a:t>
+            </a:r>
+            <a:r>
+              <a:rPr lang="es-ES_tradnl" dirty="0" err="1" smtClean="0"/>
+              <a:t>is</a:t>
+            </a:r>
+            <a:r>
+              <a:rPr lang="es-ES_tradnl" dirty="0" smtClean="0"/>
+              <a:t> a </a:t>
+            </a:r>
+            <a:r>
+              <a:rPr lang="es-ES_tradnl" dirty="0" err="1" smtClean="0"/>
+              <a:t>paragraph</a:t>
+            </a:r>
+            <a:r>
+              <a:rPr lang="es-ES_tradnl" dirty="0" smtClean="0"/>
+              <a:t>.&lt;/</a:t>
+            </a:r>
+            <a:r>
+              <a:rPr lang="es-ES_tradnl" dirty="0" err="1" smtClean="0"/>
+              <a:t>p</a:t>
+            </a:r>
+            <a:r>
+              <a:rPr lang="es-ES_tradnl" dirty="0" smtClean="0"/>
+              <a:t>&gt;</a:t>
+            </a:r>
+          </a:p>
+          <a:p>
+            <a:pPr>
+              <a:buNone/>
+            </a:pPr>
+            <a:r>
+              <a:rPr lang="es-ES_tradnl" dirty="0" smtClean="0"/>
+              <a:t>	&lt;</a:t>
+            </a:r>
+            <a:r>
+              <a:rPr lang="es-ES_tradnl" dirty="0" err="1" smtClean="0"/>
+              <a:t>p</a:t>
+            </a:r>
+            <a:r>
+              <a:rPr lang="es-ES_tradnl" dirty="0" smtClean="0"/>
+              <a:t>&gt;</a:t>
+            </a:r>
+            <a:r>
+              <a:rPr lang="es-ES_tradnl" dirty="0" err="1" smtClean="0"/>
+              <a:t>This</a:t>
+            </a:r>
+            <a:r>
+              <a:rPr lang="es-ES_tradnl" dirty="0" smtClean="0"/>
+              <a:t> </a:t>
+            </a:r>
+            <a:r>
+              <a:rPr lang="es-ES_tradnl" dirty="0" err="1" smtClean="0"/>
+              <a:t>is</a:t>
+            </a:r>
+            <a:r>
+              <a:rPr lang="es-ES_tradnl" dirty="0" smtClean="0"/>
+              <a:t> </a:t>
+            </a:r>
+            <a:r>
+              <a:rPr lang="es-ES_tradnl" dirty="0" err="1" smtClean="0"/>
+              <a:t>another</a:t>
+            </a:r>
+            <a:r>
+              <a:rPr lang="es-ES_tradnl" dirty="0" smtClean="0"/>
+              <a:t> </a:t>
+            </a:r>
+            <a:r>
+              <a:rPr lang="es-ES_tradnl" dirty="0" err="1" smtClean="0"/>
+              <a:t>paragraph</a:t>
+            </a:r>
+            <a:r>
+              <a:rPr lang="es-ES_tradnl" dirty="0" smtClean="0"/>
+              <a:t>.&lt;/</a:t>
+            </a:r>
+            <a:r>
+              <a:rPr lang="es-ES_tradnl" dirty="0" err="1" smtClean="0"/>
+              <a:t>p</a:t>
+            </a:r>
+            <a:r>
+              <a:rPr lang="es-ES_tradnl" dirty="0" smtClean="0"/>
+              <a:t>&gt;</a:t>
+            </a:r>
+          </a:p>
+          <a:p>
+            <a:pPr>
+              <a:buNone/>
+            </a:pPr>
+            <a:r>
+              <a:rPr lang="es-ES_tradnl" dirty="0" smtClean="0"/>
+              <a:t>&lt;/</a:t>
+            </a:r>
+            <a:r>
+              <a:rPr lang="es-ES_tradnl" dirty="0" err="1" smtClean="0"/>
+              <a:t>div</a:t>
+            </a:r>
+            <a:r>
+              <a:rPr lang="es-ES_tradnl" dirty="0" smtClean="0"/>
+              <a:t>&gt; </a:t>
+            </a:r>
+            <a:endParaRPr lang="es-ES_tradnl" dirty="0"/>
+          </a:p>
+        </p:txBody>
+      </p:sp>
+    </p:spTree>
+  </p:cSld>
+  <p:clrMapOvr>
+    <a:masterClrMapping/>
+  </p:clrMapOvr>
+</p:sld>
+</file>
+
+<file path=ppt/slides/slide34.xml><?xml version="1.0" encoding="utf-8"?>
+<p:sld xmlns:a="http://schemas.openxmlformats.org/drawingml/2006/main" xmlns:r="http://schemas.openxmlformats.org/officeDocument/2006/relationships" xmlns:mc="http://schemas.openxmlformats.org/markup-compatibility/2006" xmlns:mv="urn:schemas-microsoft-com:mac:vml" xmlns:p="http://schemas.openxmlformats.org/presentationml/2006/main" mc:Ignorable="mv" mc:PreserveAttributes="mv:*">
+  <p:cSld>
+    <p:spTree>
+      <p:nvGrpSpPr>
+        <p:cNvPr id="1" name=""/>
+        <p:cNvGrpSpPr/>
+        <p:nvPr/>
+      </p:nvGrpSpPr>
+      <p:grpSpPr>
+        <a:xfrm>
+          <a:off x="0" y="0"/>
+          <a:ext cx="0" cy="0"/>
+          <a:chOff x="0" y="0"/>
+          <a:chExt cx="0" cy="0"/>
+        </a:xfrm>
+      </p:grpSpPr>
+      <p:sp>
+        <p:nvSpPr>
+          <p:cNvPr id="2" name="Title 1"/>
+          <p:cNvSpPr>
+            <a:spLocks noGrp="1"/>
+          </p:cNvSpPr>
+          <p:nvPr>
+            <p:ph type="title"/>
+          </p:nvPr>
+        </p:nvSpPr>
+        <p:spPr/>
+        <p:txBody>
           <a:bodyPr/>
           <a:lstStyle/>
+          <a:p>
+            <a:r>
+              <a:rPr lang="es-ES_tradnl" dirty="0" err="1" smtClean="0"/>
+              <a:t>Resources</a:t>
+            </a:r>
+            <a:endParaRPr lang="es-ES_tradnl" dirty="0"/>
+          </a:p>
+        </p:txBody>
+      </p:sp>
+      <p:sp>
+        <p:nvSpPr>
+          <p:cNvPr id="3" name="Content Placeholder 2"/>
+          <p:cNvSpPr>
+            <a:spLocks noGrp="1"/>
+          </p:cNvSpPr>
+          <p:nvPr>
+            <p:ph idx="1"/>
+          </p:nvPr>
+        </p:nvSpPr>
+        <p:spPr/>
+        <p:txBody>
+          <a:bodyPr/>
+          <a:lstStyle/>
+          <a:p>
+            <a:r>
+              <a:rPr lang="es-ES_tradnl" dirty="0" smtClean="0"/>
+              <a:t>w3schools</a:t>
+            </a:r>
+          </a:p>
+          <a:p>
+            <a:r>
+              <a:rPr lang="es-ES_tradnl" dirty="0" err="1" smtClean="0"/>
+              <a:t>Codecademy</a:t>
+            </a:r>
+            <a:endParaRPr lang="es-ES_tradnl" dirty="0" smtClean="0"/>
+          </a:p>
+          <a:p>
+            <a:r>
+              <a:rPr lang="en-US" dirty="0" smtClean="0">
+                <a:hlinkClick r:id="rId2"/>
+              </a:rPr>
+              <a:t>http://prework.flatironschool.com/#</a:t>
+            </a:r>
+            <a:r>
+              <a:rPr lang="en-US" dirty="0" smtClean="0">
+                <a:hlinkClick r:id="rId2"/>
+              </a:rPr>
+              <a:t>html</a:t>
+            </a:r>
+            <a:endParaRPr lang="en-US" dirty="0" smtClean="0"/>
+          </a:p>
           <a:p>
             <a:endParaRPr lang="es-ES_tradnl" dirty="0"/>
           </a:p>
